--- a/Introducing_Python.pptx
+++ b/Introducing_Python.pptx
@@ -228,7 +228,7 @@
           <a:p>
             <a:fld id="{75685852-E733-48CB-B94B-BDA4655C96DB}" type="datetimeFigureOut">
               <a:rPr lang="en-CA" smtClean="0"/>
-              <a:t>2019-06-20</a:t>
+              <a:t>2019-06-25</a:t>
             </a:fld>
             <a:endParaRPr lang="en-CA"/>
           </a:p>
@@ -559,7 +559,15 @@
             </a:pPr>
             <a:r>
               <a:rPr lang="en-US" dirty="0" smtClean="0"/>
-              <a:t>TIOBE:              The main reason for this is that </a:t>
+              <a:t>TIOBE:             </a:t>
+            </a:r>
+            <a:r>
+              <a:rPr lang="en-US" dirty="0" smtClean="0"/>
+              <a:t>The </a:t>
+            </a:r>
+            <a:r>
+              <a:rPr lang="en-US" dirty="0" smtClean="0"/>
+              <a:t>main reason for this is that </a:t>
             </a:r>
             <a:r>
               <a:rPr lang="en-US" b="1" dirty="0" smtClean="0"/>
@@ -586,16 +594,9 @@
             </a:pPr>
             <a:r>
               <a:rPr lang="en-US" dirty="0" smtClean="0"/>
-              <a:t>	It </a:t>
-            </a:r>
-            <a:r>
-              <a:rPr lang="en-US" b="1" dirty="0" smtClean="0"/>
-              <a:t>attracts lots of newcomers</a:t>
-            </a:r>
-            <a:r>
-              <a:rPr lang="en-US" dirty="0" smtClean="0"/>
-              <a:t> to the field. </a:t>
-            </a:r>
+              <a:t>	</a:t>
+            </a:r>
+            <a:endParaRPr lang="en-US" dirty="0" smtClean="0"/>
           </a:p>
           <a:p>
             <a:pPr marL="0" marR="0" lvl="0" indent="0" algn="l" defTabSz="914400" rtl="0" eaLnBrk="1" fontAlgn="auto" latinLnBrk="0" hangingPunct="1">
@@ -617,23 +618,15 @@
             </a:pPr>
             <a:r>
               <a:rPr lang="en-US" dirty="0" smtClean="0"/>
-              <a:t>	Java</a:t>
-            </a:r>
-            <a:r>
-              <a:rPr lang="en-US" baseline="0" dirty="0" smtClean="0"/>
-              <a:t> </a:t>
-            </a:r>
-            <a:r>
-              <a:rPr lang="en-US" dirty="0" smtClean="0"/>
-              <a:t>is </a:t>
+              <a:t>	It </a:t>
             </a:r>
             <a:r>
               <a:rPr lang="en-US" b="1" dirty="0" smtClean="0"/>
-              <a:t>too verbose for beginners</a:t>
-            </a:r>
-            <a:r>
-              <a:rPr lang="en-US" dirty="0" smtClean="0"/>
-              <a:t> because to run a simple program such as "hello world" in Java you need to have knowledge of classes, static methods and packages. </a:t>
+              <a:t>attracts lots of newcomers</a:t>
+            </a:r>
+            <a:r>
+              <a:rPr lang="en-US" dirty="0" smtClean="0"/>
+              <a:t> to the field. </a:t>
             </a:r>
           </a:p>
           <a:p>
@@ -656,16 +649,9 @@
             </a:pPr>
             <a:r>
               <a:rPr lang="en-US" dirty="0" smtClean="0"/>
-              <a:t>	C this is a bit easier, but then you need to face </a:t>
-            </a:r>
-            <a:r>
-              <a:rPr lang="en-US" b="1" dirty="0" smtClean="0"/>
-              <a:t>explicit memory management</a:t>
-            </a:r>
-            <a:r>
-              <a:rPr lang="en-US" dirty="0" smtClean="0"/>
-              <a:t>. </a:t>
-            </a:r>
+              <a:t>	</a:t>
+            </a:r>
+            <a:endParaRPr lang="en-US" dirty="0" smtClean="0"/>
           </a:p>
           <a:p>
             <a:pPr marL="0" marR="0" lvl="0" indent="0" algn="l" defTabSz="914400" rtl="0" eaLnBrk="1" fontAlgn="auto" latinLnBrk="0" hangingPunct="1">
@@ -687,6 +673,160 @@
             </a:pPr>
             <a:r>
               <a:rPr lang="en-US" dirty="0" smtClean="0"/>
+              <a:t>	Java</a:t>
+            </a:r>
+            <a:r>
+              <a:rPr lang="en-US" baseline="0" dirty="0" smtClean="0"/>
+              <a:t> </a:t>
+            </a:r>
+            <a:r>
+              <a:rPr lang="en-US" dirty="0" smtClean="0"/>
+              <a:t>is </a:t>
+            </a:r>
+            <a:r>
+              <a:rPr lang="en-US" b="1" dirty="0" smtClean="0"/>
+              <a:t>too verbose for beginners</a:t>
+            </a:r>
+            <a:r>
+              <a:rPr lang="en-US" dirty="0" smtClean="0"/>
+              <a:t> because to run a simple program </a:t>
+            </a:r>
+            <a:endParaRPr lang="en-US" dirty="0" smtClean="0"/>
+          </a:p>
+          <a:p>
+            <a:pPr marL="0" marR="0" lvl="0" indent="0" algn="l" defTabSz="914400" rtl="0" eaLnBrk="1" fontAlgn="auto" latinLnBrk="0" hangingPunct="1">
+              <a:lnSpc>
+                <a:spcPct val="100000"/>
+              </a:lnSpc>
+              <a:spcBef>
+                <a:spcPts val="0"/>
+              </a:spcBef>
+              <a:spcAft>
+                <a:spcPts val="0"/>
+              </a:spcAft>
+              <a:buClrTx/>
+              <a:buSzTx/>
+              <a:buFontTx/>
+              <a:buNone/>
+              <a:tabLst/>
+              <a:defRPr/>
+            </a:pPr>
+            <a:r>
+              <a:rPr lang="en-US" dirty="0" smtClean="0"/>
+              <a:t>	such </a:t>
+            </a:r>
+            <a:r>
+              <a:rPr lang="en-US" dirty="0" smtClean="0"/>
+              <a:t>as "hello world" in Java you need to have knowledge </a:t>
+            </a:r>
+            <a:endParaRPr lang="en-US" dirty="0" smtClean="0"/>
+          </a:p>
+          <a:p>
+            <a:pPr marL="0" marR="0" lvl="0" indent="0" algn="l" defTabSz="914400" rtl="0" eaLnBrk="1" fontAlgn="auto" latinLnBrk="0" hangingPunct="1">
+              <a:lnSpc>
+                <a:spcPct val="100000"/>
+              </a:lnSpc>
+              <a:spcBef>
+                <a:spcPts val="0"/>
+              </a:spcBef>
+              <a:spcAft>
+                <a:spcPts val="0"/>
+              </a:spcAft>
+              <a:buClrTx/>
+              <a:buSzTx/>
+              <a:buFontTx/>
+              <a:buNone/>
+              <a:tabLst/>
+              <a:defRPr/>
+            </a:pPr>
+            <a:r>
+              <a:rPr lang="en-US" dirty="0" smtClean="0"/>
+              <a:t>	of </a:t>
+            </a:r>
+            <a:r>
+              <a:rPr lang="en-US" dirty="0" smtClean="0"/>
+              <a:t>classes, static methods and packages. </a:t>
+            </a:r>
+          </a:p>
+          <a:p>
+            <a:pPr marL="0" marR="0" lvl="0" indent="0" algn="l" defTabSz="914400" rtl="0" eaLnBrk="1" fontAlgn="auto" latinLnBrk="0" hangingPunct="1">
+              <a:lnSpc>
+                <a:spcPct val="100000"/>
+              </a:lnSpc>
+              <a:spcBef>
+                <a:spcPts val="0"/>
+              </a:spcBef>
+              <a:spcAft>
+                <a:spcPts val="0"/>
+              </a:spcAft>
+              <a:buClrTx/>
+              <a:buSzTx/>
+              <a:buFontTx/>
+              <a:buNone/>
+              <a:tabLst/>
+              <a:defRPr/>
+            </a:pPr>
+            <a:r>
+              <a:rPr lang="en-US" dirty="0" smtClean="0"/>
+              <a:t>	</a:t>
+            </a:r>
+            <a:endParaRPr lang="en-US" dirty="0" smtClean="0"/>
+          </a:p>
+          <a:p>
+            <a:pPr marL="0" marR="0" lvl="0" indent="0" algn="l" defTabSz="914400" rtl="0" eaLnBrk="1" fontAlgn="auto" latinLnBrk="0" hangingPunct="1">
+              <a:lnSpc>
+                <a:spcPct val="100000"/>
+              </a:lnSpc>
+              <a:spcBef>
+                <a:spcPts val="0"/>
+              </a:spcBef>
+              <a:spcAft>
+                <a:spcPts val="0"/>
+              </a:spcAft>
+              <a:buClrTx/>
+              <a:buSzTx/>
+              <a:buFontTx/>
+              <a:buNone/>
+              <a:tabLst/>
+              <a:defRPr/>
+            </a:pPr>
+            <a:r>
+              <a:rPr lang="en-US" dirty="0" smtClean="0"/>
+              <a:t>	C </a:t>
+            </a:r>
+            <a:r>
+              <a:rPr lang="en-US" dirty="0" smtClean="0"/>
+              <a:t>this is a bit easier, but then you need to face </a:t>
+            </a:r>
+            <a:r>
+              <a:rPr lang="en-US" b="1" dirty="0" smtClean="0"/>
+              <a:t>explicit memory management</a:t>
+            </a:r>
+            <a:r>
+              <a:rPr lang="en-US" dirty="0" smtClean="0"/>
+              <a:t>. </a:t>
+            </a:r>
+          </a:p>
+          <a:p>
+            <a:pPr marL="0" marR="0" lvl="0" indent="0" algn="l" defTabSz="914400" rtl="0" eaLnBrk="1" fontAlgn="auto" latinLnBrk="0" hangingPunct="1">
+              <a:lnSpc>
+                <a:spcPct val="100000"/>
+              </a:lnSpc>
+              <a:spcBef>
+                <a:spcPts val="0"/>
+              </a:spcBef>
+              <a:spcAft>
+                <a:spcPts val="0"/>
+              </a:spcAft>
+              <a:buClrTx/>
+              <a:buSzTx/>
+              <a:buFontTx/>
+              <a:buNone/>
+              <a:tabLst/>
+              <a:defRPr/>
+            </a:pPr>
+            <a:r>
+              <a:rPr lang="en-US" dirty="0" smtClean="0"/>
               <a:t>	</a:t>
             </a:r>
             <a:r>
@@ -697,6 +837,34 @@
               <a:rPr lang="en-US" dirty="0" smtClean="0"/>
               <a:t> </a:t>
             </a:r>
+          </a:p>
+          <a:p>
+            <a:pPr marL="0" marR="0" lvl="0" indent="0" algn="l" defTabSz="914400" rtl="0" eaLnBrk="1" fontAlgn="auto" latinLnBrk="0" hangingPunct="1">
+              <a:lnSpc>
+                <a:spcPct val="100000"/>
+              </a:lnSpc>
+              <a:spcBef>
+                <a:spcPts val="0"/>
+              </a:spcBef>
+              <a:spcAft>
+                <a:spcPts val="0"/>
+              </a:spcAft>
+              <a:buClrTx/>
+              <a:buSzTx/>
+              <a:buFontTx/>
+              <a:buNone/>
+              <a:tabLst/>
+              <a:defRPr/>
+            </a:pPr>
+            <a:endParaRPr lang="en-US" sz="1200" kern="1200" dirty="0" smtClean="0">
+              <a:solidFill>
+                <a:schemeClr val="tx1"/>
+              </a:solidFill>
+              <a:effectLst/>
+              <a:latin typeface="+mn-lt"/>
+              <a:ea typeface="+mn-ea"/>
+              <a:cs typeface="+mn-cs"/>
+            </a:endParaRPr>
           </a:p>
           <a:p>
             <a:pPr marL="0" marR="0" lvl="0" indent="0" algn="l" defTabSz="914400" rtl="0" eaLnBrk="1" fontAlgn="auto" latinLnBrk="0" hangingPunct="1">
@@ -842,6 +1010,46 @@
               </a:rPr>
               <a:t>             </a:t>
             </a:r>
+            <a:endParaRPr lang="en-CA" sz="1200" kern="1200" baseline="0" dirty="0" smtClean="0">
+              <a:solidFill>
+                <a:schemeClr val="tx1"/>
+              </a:solidFill>
+              <a:effectLst/>
+              <a:latin typeface="+mn-lt"/>
+              <a:ea typeface="+mn-ea"/>
+              <a:cs typeface="+mn-cs"/>
+            </a:endParaRPr>
+          </a:p>
+          <a:p>
+            <a:pPr marL="0" marR="0" lvl="0" indent="0" algn="l" defTabSz="914400" rtl="0" eaLnBrk="1" fontAlgn="auto" latinLnBrk="0" hangingPunct="1">
+              <a:lnSpc>
+                <a:spcPct val="100000"/>
+              </a:lnSpc>
+              <a:spcBef>
+                <a:spcPts val="0"/>
+              </a:spcBef>
+              <a:spcAft>
+                <a:spcPts val="0"/>
+              </a:spcAft>
+              <a:buClrTx/>
+              <a:buSzTx/>
+              <a:buFontTx/>
+              <a:buNone/>
+              <a:tabLst/>
+              <a:defRPr/>
+            </a:pPr>
+            <a:r>
+              <a:rPr lang="en-CA" sz="1200" kern="1200" baseline="0" dirty="0" smtClean="0">
+                <a:solidFill>
+                  <a:schemeClr val="tx1"/>
+                </a:solidFill>
+                <a:effectLst/>
+                <a:latin typeface="+mn-lt"/>
+                <a:ea typeface="+mn-ea"/>
+                <a:cs typeface="+mn-cs"/>
+              </a:rPr>
+              <a:t>	             </a:t>
+            </a:r>
             <a:r>
               <a:rPr lang="en-CA" sz="1200" kern="1200" dirty="0" smtClean="0">
                 <a:solidFill>
@@ -852,7 +1060,95 @@
                 <a:ea typeface="+mn-ea"/>
                 <a:cs typeface="+mn-cs"/>
               </a:rPr>
-              <a:t>Python’s use is also growing in non-high income countries, although it has not surpassed the level of </a:t>
+              <a:t>Python’s </a:t>
+            </a:r>
+            <a:r>
+              <a:rPr lang="en-CA" sz="1200" kern="1200" dirty="0" smtClean="0">
+                <a:solidFill>
+                  <a:schemeClr val="tx1"/>
+                </a:solidFill>
+                <a:effectLst/>
+                <a:latin typeface="+mn-lt"/>
+                <a:ea typeface="+mn-ea"/>
+                <a:cs typeface="+mn-cs"/>
+              </a:rPr>
+              <a:t>use is also growing in non-high income countries, </a:t>
+            </a:r>
+            <a:endParaRPr lang="en-CA" sz="1200" kern="1200" dirty="0" smtClean="0">
+              <a:solidFill>
+                <a:schemeClr val="tx1"/>
+              </a:solidFill>
+              <a:effectLst/>
+              <a:latin typeface="+mn-lt"/>
+              <a:ea typeface="+mn-ea"/>
+              <a:cs typeface="+mn-cs"/>
+            </a:endParaRPr>
+          </a:p>
+          <a:p>
+            <a:pPr marL="0" marR="0" lvl="0" indent="0" algn="l" defTabSz="914400" rtl="0" eaLnBrk="1" fontAlgn="auto" latinLnBrk="0" hangingPunct="1">
+              <a:lnSpc>
+                <a:spcPct val="100000"/>
+              </a:lnSpc>
+              <a:spcBef>
+                <a:spcPts val="0"/>
+              </a:spcBef>
+              <a:spcAft>
+                <a:spcPts val="0"/>
+              </a:spcAft>
+              <a:buClrTx/>
+              <a:buSzTx/>
+              <a:buFontTx/>
+              <a:buNone/>
+              <a:tabLst/>
+              <a:defRPr/>
+            </a:pPr>
+            <a:r>
+              <a:rPr lang="en-CA" sz="1200" kern="1200" dirty="0" smtClean="0">
+                <a:solidFill>
+                  <a:schemeClr val="tx1"/>
+                </a:solidFill>
+                <a:effectLst/>
+                <a:latin typeface="+mn-lt"/>
+                <a:ea typeface="+mn-ea"/>
+                <a:cs typeface="+mn-cs"/>
+              </a:rPr>
+              <a:t>	</a:t>
+            </a:r>
+            <a:r>
+              <a:rPr lang="en-CA" sz="1200" kern="1200" baseline="0" dirty="0" smtClean="0">
+                <a:solidFill>
+                  <a:schemeClr val="tx1"/>
+                </a:solidFill>
+                <a:effectLst/>
+                <a:latin typeface="+mn-lt"/>
+                <a:ea typeface="+mn-ea"/>
+                <a:cs typeface="+mn-cs"/>
+              </a:rPr>
+              <a:t>             </a:t>
+            </a:r>
+            <a:r>
+              <a:rPr lang="en-CA" sz="1200" kern="1200" dirty="0" smtClean="0">
+                <a:solidFill>
+                  <a:schemeClr val="tx1"/>
+                </a:solidFill>
+                <a:effectLst/>
+                <a:latin typeface="+mn-lt"/>
+                <a:ea typeface="+mn-ea"/>
+                <a:cs typeface="+mn-cs"/>
+              </a:rPr>
+              <a:t>although </a:t>
+            </a:r>
+            <a:r>
+              <a:rPr lang="en-CA" sz="1200" kern="1200" dirty="0" smtClean="0">
+                <a:solidFill>
+                  <a:schemeClr val="tx1"/>
+                </a:solidFill>
+                <a:effectLst/>
+                <a:latin typeface="+mn-lt"/>
+                <a:ea typeface="+mn-ea"/>
+                <a:cs typeface="+mn-cs"/>
+              </a:rPr>
+              <a:t>it has not surpassed the level of </a:t>
             </a:r>
             <a:r>
               <a:rPr lang="en-CA" sz="1200" kern="1200" dirty="0" err="1" smtClean="0">
@@ -1080,10 +1376,14 @@
               <a:rPr lang="en-US" b="0" dirty="0" smtClean="0">
                 <a:effectLst/>
               </a:rPr>
-              <a:t>When you start out with web scraping, you don’t really need to start from the scratch as there are many third party libraries dedicated to web scraping which you can easily master. To find a web scraping library for the language you know, you can do a simple google search like this:</a:t>
-            </a:r>
-          </a:p>
-          <a:p>
+              <a:t>When </a:t>
+            </a:r>
+            <a:r>
+              <a:rPr lang="en-US" b="0" dirty="0" smtClean="0">
+                <a:effectLst/>
+              </a:rPr>
+              <a:t>you start out with web scraping, </a:t>
+            </a:r>
             <a:endParaRPr lang="en-US" b="0" dirty="0" smtClean="0">
               <a:effectLst/>
             </a:endParaRPr>
@@ -1093,72 +1393,287 @@
               <a:rPr lang="en-US" b="0" dirty="0" smtClean="0">
                 <a:effectLst/>
               </a:rPr>
-              <a:t>Python is the most popular language for web scraping. It’s more like an all-rounder and can handle most of the web crawling related processes smoothly.</a:t>
-            </a:r>
-            <a:endParaRPr lang="en-US" dirty="0" smtClean="0"/>
-          </a:p>
-          <a:p>
-            <a:r>
-              <a:rPr lang="en-US" b="0" dirty="0" err="1" smtClean="0">
+              <a:t>	</a:t>
+            </a:r>
+            <a:r>
+              <a:rPr lang="en-US" b="1" dirty="0" smtClean="0">
                 <a:effectLst/>
-                <a:hlinkClick r:id="rId3"/>
               </a:rPr>
-              <a:t>Scrapy</a:t>
+              <a:t>no </a:t>
+            </a:r>
+            <a:r>
+              <a:rPr lang="en-US" b="1" dirty="0" smtClean="0">
+                <a:effectLst/>
+              </a:rPr>
+              <a:t>need to start from the scratch </a:t>
+            </a:r>
+            <a:endParaRPr lang="en-US" b="1" dirty="0" smtClean="0">
+              <a:effectLst/>
+            </a:endParaRPr>
+          </a:p>
+          <a:p>
+            <a:r>
+              <a:rPr lang="en-US" b="1" dirty="0" smtClean="0">
+                <a:effectLst/>
+              </a:rPr>
+              <a:t>	many </a:t>
+            </a:r>
+            <a:r>
+              <a:rPr lang="en-US" b="1" dirty="0" smtClean="0">
+                <a:effectLst/>
+              </a:rPr>
+              <a:t>third party libraries </a:t>
             </a:r>
             <a:r>
               <a:rPr lang="en-US" b="0" dirty="0" smtClean="0">
                 <a:effectLst/>
               </a:rPr>
-              <a:t> and </a:t>
-            </a:r>
-            <a:r>
-              <a:rPr lang="en-US" b="0" dirty="0" smtClean="0">
-                <a:effectLst/>
-                <a:hlinkClick r:id="rId4"/>
-              </a:rPr>
-              <a:t>Beautiful Soup</a:t>
+              <a:t>dedicated to web </a:t>
             </a:r>
             <a:r>
               <a:rPr lang="en-US" b="0" dirty="0" smtClean="0">
                 <a:effectLst/>
               </a:rPr>
-              <a:t> are among the widely used frameworks based on Python that makes scraping using this language such an easy route to take.</a:t>
-            </a:r>
-            <a:endParaRPr lang="en-US" dirty="0" smtClean="0"/>
-          </a:p>
-          <a:p>
-            <a:r>
-              <a:rPr lang="en-US" b="0" dirty="0" err="1" smtClean="0">
+              <a:t>scraping</a:t>
+            </a:r>
+          </a:p>
+          <a:p>
+            <a:r>
+              <a:rPr lang="en-US" b="0" dirty="0" smtClean="0">
+                <a:effectLst/>
+              </a:rPr>
+              <a:t>	which </a:t>
+            </a:r>
+            <a:r>
+              <a:rPr lang="en-US" b="0" dirty="0" smtClean="0">
+                <a:effectLst/>
+              </a:rPr>
+              <a:t>you can </a:t>
+            </a:r>
+            <a:r>
+              <a:rPr lang="en-US" b="1" dirty="0" smtClean="0">
+                <a:effectLst/>
+              </a:rPr>
+              <a:t>easily </a:t>
+            </a:r>
+            <a:r>
+              <a:rPr lang="en-US" b="1" dirty="0" smtClean="0">
+                <a:effectLst/>
+              </a:rPr>
+              <a:t>master</a:t>
+            </a:r>
+          </a:p>
+          <a:p>
+            <a:endParaRPr lang="en-US" b="0" dirty="0" smtClean="0">
+              <a:effectLst/>
+            </a:endParaRPr>
+          </a:p>
+          <a:p>
+            <a:r>
+              <a:rPr lang="en-US" b="1" dirty="0" err="1" smtClean="0">
                 <a:effectLst/>
               </a:rPr>
               <a:t>Scrapy</a:t>
             </a:r>
             <a:r>
+              <a:rPr lang="en-US" b="1" dirty="0" smtClean="0">
+                <a:effectLst/>
+              </a:rPr>
+              <a:t> </a:t>
+            </a:r>
+            <a:r>
               <a:rPr lang="en-US" b="0" dirty="0" smtClean="0">
                 <a:effectLst/>
               </a:rPr>
-              <a:t> has some great features like support for XPath, enhanced performance owing to the Twisted library and a variety of debugging tools.</a:t>
-            </a:r>
-            <a:endParaRPr lang="en-US" dirty="0" smtClean="0"/>
+              <a:t>has some great features </a:t>
+            </a:r>
+            <a:endParaRPr lang="en-US" b="0" dirty="0" smtClean="0">
+              <a:effectLst/>
+            </a:endParaRPr>
           </a:p>
           <a:p>
             <a:r>
               <a:rPr lang="en-US" b="0" dirty="0" smtClean="0">
                 <a:effectLst/>
               </a:rPr>
-              <a:t>Beautiful soup is a Python library that’s designed for fast and highly efficient web scraping. Some of the notable features are </a:t>
-            </a:r>
-            <a:r>
-              <a:rPr lang="en-US" b="0" dirty="0" err="1" smtClean="0">
+              <a:t>	</a:t>
+            </a:r>
+            <a:r>
+              <a:rPr lang="en-US" b="1" dirty="0" smtClean="0">
+                <a:effectLst/>
+              </a:rPr>
+              <a:t>enhanced </a:t>
+            </a:r>
+            <a:r>
+              <a:rPr lang="en-US" b="1" dirty="0" smtClean="0">
+                <a:effectLst/>
+              </a:rPr>
+              <a:t>performance </a:t>
+            </a:r>
+            <a:r>
+              <a:rPr lang="en-US" b="0" dirty="0" smtClean="0">
+                <a:effectLst/>
+              </a:rPr>
+              <a:t>owing to the Twisted </a:t>
+            </a:r>
+            <a:r>
+              <a:rPr lang="en-US" b="0" dirty="0" smtClean="0">
+                <a:effectLst/>
+              </a:rPr>
+              <a:t>library</a:t>
+            </a:r>
+          </a:p>
+          <a:p>
+            <a:r>
+              <a:rPr lang="en-US" b="0" dirty="0" smtClean="0">
+                <a:effectLst/>
+              </a:rPr>
+              <a:t>	and </a:t>
+            </a:r>
+            <a:r>
+              <a:rPr lang="en-US" b="0" dirty="0" smtClean="0">
+                <a:effectLst/>
+              </a:rPr>
+              <a:t>a variety of </a:t>
+            </a:r>
+            <a:r>
+              <a:rPr lang="en-US" b="1" dirty="0" smtClean="0">
+                <a:effectLst/>
+              </a:rPr>
+              <a:t>debugging </a:t>
+            </a:r>
+            <a:r>
+              <a:rPr lang="en-US" b="1" dirty="0" smtClean="0">
+                <a:effectLst/>
+              </a:rPr>
+              <a:t>tools</a:t>
+            </a:r>
+            <a:endParaRPr lang="en-US" b="1" dirty="0" smtClean="0"/>
+          </a:p>
+          <a:p>
+            <a:endParaRPr lang="en-US" b="0" dirty="0" smtClean="0">
+              <a:effectLst/>
+            </a:endParaRPr>
+          </a:p>
+          <a:p>
+            <a:r>
+              <a:rPr lang="en-US" b="1" dirty="0" smtClean="0">
+                <a:effectLst/>
+              </a:rPr>
+              <a:t>Beautiful </a:t>
+            </a:r>
+            <a:r>
+              <a:rPr lang="en-US" b="1" dirty="0" smtClean="0">
+                <a:effectLst/>
+              </a:rPr>
+              <a:t>soup </a:t>
+            </a:r>
+            <a:r>
+              <a:rPr lang="en-US" b="0" dirty="0" smtClean="0">
+                <a:effectLst/>
+              </a:rPr>
+              <a:t>is a Python library that’s </a:t>
+            </a:r>
+            <a:endParaRPr lang="en-US" b="0" dirty="0" smtClean="0">
+              <a:effectLst/>
+            </a:endParaRPr>
+          </a:p>
+          <a:p>
+            <a:r>
+              <a:rPr lang="en-US" b="0" dirty="0" smtClean="0">
+                <a:effectLst/>
+              </a:rPr>
+              <a:t>	</a:t>
+            </a:r>
+            <a:r>
+              <a:rPr lang="en-US" b="1" dirty="0" smtClean="0">
+                <a:effectLst/>
+              </a:rPr>
+              <a:t>designed </a:t>
+            </a:r>
+            <a:r>
+              <a:rPr lang="en-US" b="1" dirty="0" smtClean="0">
+                <a:effectLst/>
+              </a:rPr>
+              <a:t>for fast and highly efficient web scraping</a:t>
+            </a:r>
+            <a:r>
+              <a:rPr lang="en-US" b="0" dirty="0" smtClean="0">
+                <a:effectLst/>
+              </a:rPr>
+              <a:t>. </a:t>
+            </a:r>
+            <a:endParaRPr lang="en-US" b="0" dirty="0" smtClean="0">
+              <a:effectLst/>
+            </a:endParaRPr>
+          </a:p>
+          <a:p>
+            <a:r>
+              <a:rPr lang="en-US" b="0" dirty="0" smtClean="0">
+                <a:effectLst/>
+              </a:rPr>
+              <a:t>	</a:t>
+            </a:r>
+            <a:r>
+              <a:rPr lang="en-US" b="1" dirty="0" err="1" smtClean="0">
                 <a:effectLst/>
               </a:rPr>
               <a:t>Pythonic</a:t>
             </a:r>
             <a:r>
+              <a:rPr lang="en-US" b="1" dirty="0" smtClean="0">
+                <a:effectLst/>
+              </a:rPr>
+              <a:t> </a:t>
+            </a:r>
+            <a:r>
+              <a:rPr lang="en-US" b="1" dirty="0" smtClean="0">
+                <a:effectLst/>
+              </a:rPr>
+              <a:t>idioms </a:t>
+            </a:r>
+            <a:r>
               <a:rPr lang="en-US" b="0" dirty="0" smtClean="0">
                 <a:effectLst/>
               </a:rPr>
-              <a:t> idioms for navigation, searching, and modifying a parse tree. Beautiful Soup can also convert incoming documents to Unicode and outgoing documents to UTF-8. Beautiful Soup works on popular Python parsers like </a:t>
+              <a:t>for navigation, searching, and modifying a parse tree. </a:t>
+            </a:r>
+            <a:endParaRPr lang="en-US" b="0" dirty="0" smtClean="0">
+              <a:effectLst/>
+            </a:endParaRPr>
+          </a:p>
+          <a:p>
+            <a:r>
+              <a:rPr lang="en-US" b="0" dirty="0" smtClean="0">
+                <a:effectLst/>
+              </a:rPr>
+              <a:t>	can </a:t>
+            </a:r>
+            <a:r>
+              <a:rPr lang="en-US" b="0" dirty="0" smtClean="0">
+                <a:effectLst/>
+              </a:rPr>
+              <a:t>also convert incoming documents to Unicode and outgoing documents to </a:t>
+            </a:r>
+            <a:r>
+              <a:rPr lang="en-US" b="0" dirty="0" smtClean="0">
+                <a:effectLst/>
+              </a:rPr>
+              <a:t>UTF-8</a:t>
+            </a:r>
+          </a:p>
+          <a:p>
+            <a:r>
+              <a:rPr lang="en-US" b="0" dirty="0" smtClean="0">
+                <a:effectLst/>
+              </a:rPr>
+              <a:t>	works </a:t>
+            </a:r>
+            <a:r>
+              <a:rPr lang="en-US" b="0" dirty="0" smtClean="0">
+                <a:effectLst/>
+              </a:rPr>
+              <a:t>on popular Python parsers like </a:t>
             </a:r>
             <a:r>
               <a:rPr lang="en-US" b="0" dirty="0" err="1" smtClean="0">
@@ -1170,8 +1685,16 @@
               <a:rPr lang="en-US" b="0" dirty="0" smtClean="0">
                 <a:effectLst/>
               </a:rPr>
-              <a:t> and html5lib, which allow you to try different parsing methodologies.</a:t>
-            </a:r>
+              <a:t> and html5lib, which allow you to try different parsing methodologies</a:t>
+            </a:r>
+            <a:r>
+              <a:rPr lang="en-US" b="0" dirty="0" smtClean="0">
+                <a:effectLst/>
+              </a:rPr>
+              <a:t>.</a:t>
+            </a:r>
+          </a:p>
+          <a:p>
             <a:endParaRPr lang="en-US" dirty="0" smtClean="0"/>
           </a:p>
           <a:p>
@@ -1184,39 +1707,37 @@
             <a:endParaRPr lang="en-US" dirty="0" smtClean="0"/>
           </a:p>
           <a:p>
-            <a:r>
-              <a:rPr lang="en-US" b="0" dirty="0" smtClean="0">
+            <a:endParaRPr lang="en-US" dirty="0" smtClean="0"/>
+          </a:p>
+          <a:p>
+            <a:r>
+              <a:rPr lang="en-US" b="1" dirty="0" smtClean="0">
                 <a:effectLst/>
               </a:rPr>
-              <a:t>These libraries and frameworks can help you learn the basics of web scraping and could even cover small-scale use cases. However, if you’re looking to extract data from the web for business use cases, it’s better to go with a </a:t>
-            </a:r>
-            <a:r>
-              <a:rPr lang="en-US" b="0" dirty="0" smtClean="0">
-                <a:effectLst/>
-                <a:hlinkClick r:id="rId5"/>
-              </a:rPr>
-              <a:t>web scraping service</a:t>
-            </a:r>
-            <a:r>
-              <a:rPr lang="en-US" b="0" dirty="0" smtClean="0">
+              <a:t>With very few lines of code you</a:t>
+            </a:r>
+            <a:r>
+              <a:rPr lang="en-US" b="1" baseline="0" dirty="0" smtClean="0">
                 <a:effectLst/>
               </a:rPr>
-              <a:t> that can take end-to-end ownership of the project. There are several reasons why an in-house crawling setup isn’t the best option, you can learn more about it </a:t>
-            </a:r>
-            <a:r>
-              <a:rPr lang="en-US" b="0" dirty="0" smtClean="0">
-                <a:effectLst/>
-                <a:hlinkClick r:id="rId6"/>
-              </a:rPr>
-              <a:t>here</a:t>
-            </a:r>
-            <a:r>
-              <a:rPr lang="en-US" b="0" dirty="0" smtClean="0">
+              <a:t> can scrap data from the internet. </a:t>
+            </a:r>
+          </a:p>
+          <a:p>
+            <a:r>
+              <a:rPr lang="en-US" b="0" baseline="0" dirty="0" smtClean="0">
                 <a:effectLst/>
               </a:rPr>
-              <a:t>. </a:t>
-            </a:r>
-            <a:endParaRPr lang="en-US" dirty="0" smtClean="0"/>
+              <a:t>	Talk through the comment.</a:t>
+            </a:r>
+          </a:p>
+          <a:p>
+            <a:r>
+              <a:rPr lang="en-US" b="0" baseline="0" dirty="0" smtClean="0">
+                <a:effectLst/>
+              </a:rPr>
+              <a:t>	You can learn this and take class to understand further. </a:t>
+            </a:r>
           </a:p>
           <a:p>
             <a:endParaRPr lang="en-CA" dirty="0"/>
@@ -2011,7 +2532,7 @@
             </a:pPr>
             <a:r>
               <a:rPr lang="en-US" dirty="0" smtClean="0"/>
-              <a:t>was </a:t>
+              <a:t>Python was </a:t>
             </a:r>
             <a:r>
               <a:rPr lang="en-US" b="1" dirty="0" smtClean="0"/>
@@ -2021,9 +2542,37 @@
               <a:rPr lang="en-US" b="1" baseline="0" dirty="0" smtClean="0"/>
               <a:t> as a numerical computing languages </a:t>
             </a:r>
+            <a:endParaRPr lang="en-US" b="1" baseline="0" dirty="0" smtClean="0"/>
+          </a:p>
+          <a:p>
+            <a:pPr marL="0" marR="0" lvl="0" indent="0" algn="l" defTabSz="914400" rtl="0" eaLnBrk="1" fontAlgn="auto" latinLnBrk="0" hangingPunct="1">
+              <a:lnSpc>
+                <a:spcPct val="100000"/>
+              </a:lnSpc>
+              <a:spcBef>
+                <a:spcPts val="0"/>
+              </a:spcBef>
+              <a:spcAft>
+                <a:spcPts val="0"/>
+              </a:spcAft>
+              <a:buClrTx/>
+              <a:buSzTx/>
+              <a:buFontTx/>
+              <a:buNone/>
+              <a:tabLst/>
+              <a:defRPr/>
+            </a:pPr>
+            <a:r>
+              <a:rPr lang="en-US" b="1" baseline="0" dirty="0" smtClean="0"/>
+              <a:t>	</a:t>
+            </a:r>
             <a:r>
               <a:rPr lang="en-US" baseline="0" dirty="0" smtClean="0"/>
-              <a:t>like Fortran, R SAS or the more recent Julia.</a:t>
+              <a:t>like </a:t>
+            </a:r>
+            <a:r>
+              <a:rPr lang="en-US" baseline="0" dirty="0" smtClean="0"/>
+              <a:t>Fortran, R SAS or the more recent Julia.</a:t>
             </a:r>
           </a:p>
           <a:p>
@@ -2032,7 +2581,30 @@
           <a:p>
             <a:r>
               <a:rPr lang="en-US" dirty="0" smtClean="0"/>
-              <a:t>originally conceptualized by Guido van Rossum in the late 1980s as a member of the National Research Institute of Mathematics and Computer Science. </a:t>
+              <a:t>originally conceptualized by </a:t>
+            </a:r>
+            <a:r>
+              <a:rPr lang="en-US" b="1" dirty="0" smtClean="0"/>
+              <a:t>Guido van Rossum </a:t>
+            </a:r>
+            <a:r>
+              <a:rPr lang="en-US" dirty="0" smtClean="0"/>
+              <a:t>in the late 1980s </a:t>
+            </a:r>
+            <a:endParaRPr lang="en-US" dirty="0" smtClean="0"/>
+          </a:p>
+          <a:p>
+            <a:r>
+              <a:rPr lang="en-US" dirty="0" smtClean="0"/>
+              <a:t>as </a:t>
+            </a:r>
+            <a:r>
+              <a:rPr lang="en-US" dirty="0" smtClean="0"/>
+              <a:t>a member of the </a:t>
+            </a:r>
+            <a:r>
+              <a:rPr lang="en-US" b="1" dirty="0" smtClean="0"/>
+              <a:t>National Research Institute of Mathematics and Computer Science. </a:t>
             </a:r>
           </a:p>
           <a:p>
@@ -2049,7 +2621,22 @@
             </a:r>
             <a:r>
               <a:rPr lang="en-US" dirty="0" smtClean="0"/>
-              <a:t>and was targeted for the Amoeba operating system</a:t>
+              <a:t>and </a:t>
+            </a:r>
+            <a:endParaRPr lang="en-US" dirty="0" smtClean="0"/>
+          </a:p>
+          <a:p>
+            <a:r>
+              <a:rPr lang="en-US" dirty="0" smtClean="0"/>
+              <a:t>was </a:t>
+            </a:r>
+            <a:r>
+              <a:rPr lang="en-US" b="1" dirty="0" smtClean="0"/>
+              <a:t>targeted for the Amoeba </a:t>
+            </a:r>
+            <a:r>
+              <a:rPr lang="en-US" dirty="0" smtClean="0"/>
+              <a:t>operating system</a:t>
             </a:r>
             <a:endParaRPr lang="en-CA" dirty="0"/>
           </a:p>
@@ -2701,32 +3288,24 @@
               <a:buChar char="-"/>
             </a:pPr>
             <a:r>
-              <a:rPr lang="en-US" baseline="0" dirty="0" err="1" smtClean="0"/>
+              <a:rPr lang="en-US" b="1" baseline="0" dirty="0" err="1" smtClean="0"/>
               <a:t>Matlab’s</a:t>
             </a:r>
             <a:r>
+              <a:rPr lang="en-US" b="1" baseline="0" dirty="0" smtClean="0"/>
+              <a:t> </a:t>
+            </a:r>
+            <a:r>
               <a:rPr lang="en-US" baseline="0" dirty="0" smtClean="0"/>
-              <a:t> one liner equations is unsurpassed</a:t>
-            </a:r>
-          </a:p>
-          <a:p>
-            <a:pPr marL="171450" indent="-171450">
-              <a:buFontTx/>
-              <a:buChar char="-"/>
-            </a:pPr>
+              <a:t>focused on matrix and linear algebra operations so its one </a:t>
+            </a:r>
             <a:r>
               <a:rPr lang="en-US" baseline="0" dirty="0" smtClean="0"/>
-              <a:t>R’s interactive data analysis</a:t>
-            </a:r>
-          </a:p>
-          <a:p>
-            <a:pPr marL="171450" indent="-171450">
-              <a:buFontTx/>
-              <a:buChar char="-"/>
-            </a:pPr>
+              <a:t>liner equations is </a:t>
+            </a:r>
             <a:r>
               <a:rPr lang="en-US" baseline="0" dirty="0" smtClean="0"/>
-              <a:t>Mathematica not intended for programming</a:t>
+              <a:t>unsurpassed</a:t>
             </a:r>
           </a:p>
           <a:p>
@@ -2737,7 +3316,68 @@
             <a:endParaRPr lang="en-US" baseline="0" dirty="0" smtClean="0"/>
           </a:p>
           <a:p>
-            <a:pPr lvl="0"/>
+            <a:pPr marL="171450" indent="-171450">
+              <a:buFontTx/>
+              <a:buChar char="-"/>
+            </a:pPr>
+            <a:r>
+              <a:rPr lang="en-US" b="1" baseline="0" dirty="0" smtClean="0"/>
+              <a:t>R</a:t>
+            </a:r>
+            <a:r>
+              <a:rPr lang="en-US" baseline="0" dirty="0" smtClean="0"/>
+              <a:t> great for interactive </a:t>
+            </a:r>
+            <a:r>
+              <a:rPr lang="en-US" baseline="0" dirty="0" smtClean="0"/>
+              <a:t>data </a:t>
+            </a:r>
+            <a:r>
+              <a:rPr lang="en-US" baseline="0" dirty="0" smtClean="0"/>
+              <a:t>analysis and open library for statistics but not larger development projects</a:t>
+            </a:r>
+          </a:p>
+          <a:p>
+            <a:pPr marL="171450" indent="-171450">
+              <a:buFontTx/>
+              <a:buChar char="-"/>
+            </a:pPr>
+            <a:endParaRPr lang="en-US" baseline="0" dirty="0" smtClean="0"/>
+          </a:p>
+          <a:p>
+            <a:pPr marL="171450" indent="-171450">
+              <a:buFontTx/>
+              <a:buChar char="-"/>
+            </a:pPr>
+            <a:r>
+              <a:rPr lang="en-US" b="1" baseline="0" dirty="0" smtClean="0"/>
+              <a:t>Mathematica </a:t>
+            </a:r>
+            <a:r>
+              <a:rPr lang="en-US" baseline="0" dirty="0" smtClean="0"/>
+              <a:t>is good for pure math but not </a:t>
+            </a:r>
+            <a:r>
+              <a:rPr lang="en-US" baseline="0" dirty="0" smtClean="0"/>
+              <a:t>intended for </a:t>
+            </a:r>
+            <a:r>
+              <a:rPr lang="en-US" baseline="0" dirty="0" smtClean="0"/>
+              <a:t>programming</a:t>
+            </a:r>
+          </a:p>
+          <a:p>
+            <a:pPr marL="0" indent="0">
+              <a:buFontTx/>
+              <a:buNone/>
+            </a:pPr>
+            <a:endParaRPr lang="en-US" baseline="0" dirty="0" smtClean="0"/>
+          </a:p>
+          <a:p>
+            <a:pPr marL="171450" indent="-171450">
+              <a:buFontTx/>
+              <a:buChar char="-"/>
+            </a:pPr>
             <a:r>
               <a:rPr lang="en-CA" sz="1200" kern="1200" dirty="0" smtClean="0">
                 <a:solidFill>
@@ -2748,7 +3388,19 @@
                 <a:ea typeface="+mn-ea"/>
                 <a:cs typeface="+mn-cs"/>
               </a:rPr>
-              <a:t>Python can be  build just about anything.</a:t>
+              <a:t>Python </a:t>
+            </a:r>
+            <a:r>
+              <a:rPr lang="en-CA" sz="1200" kern="1200" dirty="0" smtClean="0">
+                <a:solidFill>
+                  <a:schemeClr val="tx1"/>
+                </a:solidFill>
+                <a:effectLst/>
+                <a:latin typeface="+mn-lt"/>
+                <a:ea typeface="+mn-ea"/>
+                <a:cs typeface="+mn-cs"/>
+              </a:rPr>
+              <a:t>can be  build just about anything.</a:t>
             </a:r>
           </a:p>
           <a:p>
@@ -2793,6 +3445,21 @@
               <a:t>	is used to </a:t>
             </a:r>
             <a:r>
+              <a:rPr lang="en-CA" sz="1200" b="1" kern="1200" dirty="0" smtClean="0">
+                <a:solidFill>
+                  <a:schemeClr val="tx1"/>
+                </a:solidFill>
+                <a:effectLst/>
+                <a:latin typeface="+mn-lt"/>
+                <a:ea typeface="+mn-ea"/>
+                <a:cs typeface="+mn-cs"/>
+              </a:rPr>
+              <a:t>create programs by typing letters, numbers and symbols </a:t>
+            </a:r>
+          </a:p>
+          <a:p>
+            <a:pPr lvl="0"/>
+            <a:r>
               <a:rPr lang="en-CA" sz="1200" kern="1200" dirty="0" smtClean="0">
                 <a:solidFill>
                   <a:schemeClr val="tx1"/>
@@ -2802,8 +3469,41 @@
                 <a:ea typeface="+mn-ea"/>
                 <a:cs typeface="+mn-cs"/>
               </a:rPr>
-              <a:t>create programs by typing letters, numbers and symbols </a:t>
-            </a:r>
+              <a:t>	and </a:t>
+            </a:r>
+            <a:r>
+              <a:rPr lang="en-CA" sz="1200" b="1" kern="1200" dirty="0" smtClean="0">
+                <a:solidFill>
+                  <a:schemeClr val="tx1"/>
+                </a:solidFill>
+                <a:effectLst/>
+                <a:latin typeface="+mn-lt"/>
+                <a:ea typeface="+mn-ea"/>
+                <a:cs typeface="+mn-cs"/>
+              </a:rPr>
+              <a:t>requires programmers to use formal </a:t>
+            </a:r>
+            <a:r>
+              <a:rPr lang="en-CA" sz="1200" b="1" kern="1200" dirty="0" smtClean="0">
+                <a:solidFill>
+                  <a:schemeClr val="tx1"/>
+                </a:solidFill>
+                <a:effectLst/>
+                <a:latin typeface="+mn-lt"/>
+                <a:ea typeface="+mn-ea"/>
+                <a:cs typeface="+mn-cs"/>
+              </a:rPr>
+              <a:t>syntax</a:t>
+            </a:r>
+            <a:endParaRPr lang="en-CA" sz="1200" kern="1200" dirty="0" smtClean="0">
+              <a:solidFill>
+                <a:schemeClr val="tx1"/>
+              </a:solidFill>
+              <a:effectLst/>
+              <a:latin typeface="+mn-lt"/>
+              <a:ea typeface="+mn-ea"/>
+              <a:cs typeface="+mn-cs"/>
+            </a:endParaRPr>
           </a:p>
           <a:p>
             <a:pPr lvl="0"/>
@@ -2817,11 +3517,20 @@
                 <a:ea typeface="+mn-ea"/>
                 <a:cs typeface="+mn-cs"/>
               </a:rPr>
-              <a:t>	and requires programmers to use formal syntax.</a:t>
-            </a:r>
-          </a:p>
-          <a:p>
-            <a:pPr lvl="0"/>
+              <a:t>	allows one to easily </a:t>
+            </a:r>
+            <a:r>
+              <a:rPr lang="en-CA" sz="1200" b="1" kern="1200" dirty="0" smtClean="0">
+                <a:solidFill>
+                  <a:schemeClr val="tx1"/>
+                </a:solidFill>
+                <a:effectLst/>
+                <a:latin typeface="+mn-lt"/>
+                <a:ea typeface="+mn-ea"/>
+                <a:cs typeface="+mn-cs"/>
+              </a:rPr>
+              <a:t>leverage other libraries</a:t>
+            </a:r>
             <a:r>
               <a:rPr lang="en-CA" sz="1200" kern="1200" dirty="0" smtClean="0">
                 <a:solidFill>
@@ -2832,8 +3541,29 @@
                 <a:ea typeface="+mn-ea"/>
                 <a:cs typeface="+mn-cs"/>
               </a:rPr>
-              <a:t>	allows one to easily leverage other libraries (e.g. databases) for scientific research. </a:t>
-            </a:r>
+              <a:t> (e.g. databases) for scientific </a:t>
+            </a:r>
+            <a:r>
+              <a:rPr lang="en-CA" sz="1200" kern="1200" dirty="0" smtClean="0">
+                <a:solidFill>
+                  <a:schemeClr val="tx1"/>
+                </a:solidFill>
+                <a:effectLst/>
+                <a:latin typeface="+mn-lt"/>
+                <a:ea typeface="+mn-ea"/>
+                <a:cs typeface="+mn-cs"/>
+              </a:rPr>
+              <a:t>research</a:t>
+            </a:r>
+            <a:endParaRPr lang="en-CA" sz="1200" kern="1200" dirty="0" smtClean="0">
+              <a:solidFill>
+                <a:schemeClr val="tx1"/>
+              </a:solidFill>
+              <a:effectLst/>
+              <a:latin typeface="+mn-lt"/>
+              <a:ea typeface="+mn-ea"/>
+              <a:cs typeface="+mn-cs"/>
+            </a:endParaRPr>
           </a:p>
           <a:p>
             <a:pPr lvl="0"/>
@@ -2851,139 +3581,9 @@
             </a:r>
           </a:p>
           <a:p>
-            <a:pPr lvl="0"/>
-            <a:endParaRPr lang="en-CA" sz="1200" kern="1200" dirty="0" smtClean="0">
-              <a:solidFill>
-                <a:schemeClr val="tx1"/>
-              </a:solidFill>
-              <a:effectLst/>
-              <a:latin typeface="+mn-lt"/>
-              <a:ea typeface="+mn-ea"/>
-              <a:cs typeface="+mn-cs"/>
-            </a:endParaRPr>
-          </a:p>
-          <a:p>
-            <a:pPr lvl="0"/>
-            <a:r>
-              <a:rPr lang="en-CA" sz="1200" kern="1200" dirty="0" smtClean="0">
-                <a:solidFill>
-                  <a:schemeClr val="tx1"/>
-                </a:solidFill>
-                <a:effectLst/>
-                <a:latin typeface="+mn-lt"/>
-                <a:ea typeface="+mn-ea"/>
-                <a:cs typeface="+mn-cs"/>
-              </a:rPr>
-              <a:t>	</a:t>
-            </a:r>
-            <a:r>
-              <a:rPr lang="en-CA" sz="1200" b="1" kern="1200" dirty="0" smtClean="0">
-                <a:solidFill>
-                  <a:schemeClr val="tx1"/>
-                </a:solidFill>
-                <a:effectLst/>
-                <a:latin typeface="+mn-lt"/>
-                <a:ea typeface="+mn-ea"/>
-                <a:cs typeface="+mn-cs"/>
-              </a:rPr>
-              <a:t>From automating Microsoft Excel processing using </a:t>
-            </a:r>
-            <a:r>
-              <a:rPr lang="en-CA" sz="1200" b="1" kern="1200" dirty="0" err="1" smtClean="0">
-                <a:solidFill>
-                  <a:schemeClr val="tx1"/>
-                </a:solidFill>
-                <a:effectLst/>
-                <a:latin typeface="+mn-lt"/>
-                <a:ea typeface="+mn-ea"/>
-                <a:cs typeface="+mn-cs"/>
-              </a:rPr>
-              <a:t>openpyxl</a:t>
-            </a:r>
-            <a:r>
-              <a:rPr lang="en-CA" sz="1200" b="1" kern="1200" dirty="0" smtClean="0">
-                <a:solidFill>
-                  <a:schemeClr val="tx1"/>
-                </a:solidFill>
-                <a:effectLst/>
-                <a:latin typeface="+mn-lt"/>
-                <a:ea typeface="+mn-ea"/>
-                <a:cs typeface="+mn-cs"/>
-              </a:rPr>
-              <a:t> to natural language processing with NLTK.</a:t>
-            </a:r>
-          </a:p>
-          <a:p>
-            <a:pPr lvl="0"/>
-            <a:r>
-              <a:rPr lang="en-CA" sz="1200" kern="1200" dirty="0" smtClean="0">
-                <a:solidFill>
-                  <a:schemeClr val="tx1"/>
-                </a:solidFill>
-                <a:effectLst/>
-                <a:latin typeface="+mn-lt"/>
-                <a:ea typeface="+mn-ea"/>
-                <a:cs typeface="+mn-cs"/>
-              </a:rPr>
-              <a:t>	It can also be used to meet various development needs.</a:t>
-            </a:r>
-          </a:p>
-          <a:p>
-            <a:pPr lvl="0"/>
-            <a:endParaRPr lang="en-CA" sz="1200" kern="1200" dirty="0" smtClean="0">
-              <a:solidFill>
-                <a:schemeClr val="tx1"/>
-              </a:solidFill>
-              <a:effectLst/>
-              <a:latin typeface="+mn-lt"/>
-              <a:ea typeface="+mn-ea"/>
-              <a:cs typeface="+mn-cs"/>
-            </a:endParaRPr>
-          </a:p>
-          <a:p>
-            <a:pPr lvl="0"/>
-            <a:r>
-              <a:rPr lang="en-CA" sz="1200" kern="1200" dirty="0" smtClean="0">
-                <a:solidFill>
-                  <a:schemeClr val="tx1"/>
-                </a:solidFill>
-                <a:effectLst/>
-                <a:latin typeface="+mn-lt"/>
-                <a:ea typeface="+mn-ea"/>
-                <a:cs typeface="+mn-cs"/>
-              </a:rPr>
-              <a:t>Examples of general-purpose programming languages include C#, C++, Java, JavaScript, Python, Ruby and Visual Basic.</a:t>
-            </a:r>
-          </a:p>
-          <a:p>
-            <a:pPr lvl="0"/>
-            <a:r>
-              <a:rPr lang="en-CA" sz="1200" u="sng" kern="1200" dirty="0" smtClean="0">
-                <a:solidFill>
-                  <a:schemeClr val="tx1"/>
-                </a:solidFill>
-                <a:effectLst/>
-                <a:latin typeface="+mn-lt"/>
-                <a:ea typeface="+mn-ea"/>
-                <a:cs typeface="+mn-cs"/>
-                <a:hlinkClick r:id="rId3"/>
-              </a:rPr>
-              <a:t>https://www.stat.washington.edu/~hoytak/blog/whypython.html</a:t>
-            </a:r>
-            <a:endParaRPr lang="en-CA" sz="1200" kern="1200" dirty="0" smtClean="0">
-              <a:solidFill>
-                <a:schemeClr val="tx1"/>
-              </a:solidFill>
-              <a:effectLst/>
-              <a:latin typeface="+mn-lt"/>
-              <a:ea typeface="+mn-ea"/>
-              <a:cs typeface="+mn-cs"/>
-            </a:endParaRPr>
-          </a:p>
-          <a:p>
-            <a:pPr marL="171450" indent="-171450">
+            <a:pPr marL="0" indent="0">
               <a:buFontTx/>
-              <a:buChar char="-"/>
+              <a:buNone/>
             </a:pPr>
             <a:endParaRPr lang="en-CA" dirty="0"/>
           </a:p>
@@ -3069,6 +3669,12 @@
           <a:bodyPr/>
           <a:lstStyle/>
           <a:p>
+            <a:r>
+              <a:rPr lang="en-US" b="1" dirty="0" smtClean="0"/>
+              <a:t>WHEN THE SOURCE CODE IS TRANSLATED TO SOMETHING MACHINE CAN READ</a:t>
+            </a:r>
+          </a:p>
+          <a:p>
             <a:pPr marL="0" marR="0" lvl="0" indent="0" algn="l" defTabSz="914400" rtl="0" eaLnBrk="1" fontAlgn="auto" latinLnBrk="0" hangingPunct="1">
               <a:lnSpc>
                 <a:spcPct val="100000"/>
@@ -3086,10 +3692,15 @@
               <a:tabLst/>
               <a:defRPr/>
             </a:pPr>
-            <a:r>
-              <a:rPr lang="en-US" dirty="0" smtClean="0"/>
-              <a:t>Ease of Use</a:t>
-            </a:r>
+            <a:endParaRPr lang="en-US" sz="1200" b="1" kern="1200" dirty="0" smtClean="0">
+              <a:solidFill>
+                <a:schemeClr val="tx1"/>
+              </a:solidFill>
+              <a:effectLst/>
+              <a:latin typeface="+mn-lt"/>
+              <a:ea typeface="+mn-ea"/>
+              <a:cs typeface="+mn-cs"/>
+            </a:endParaRPr>
           </a:p>
           <a:p>
             <a:pPr marL="0" marR="0" lvl="0" indent="0" algn="l" defTabSz="914400" rtl="0" eaLnBrk="1" fontAlgn="auto" latinLnBrk="0" hangingPunct="1">
@@ -3110,64 +3721,6 @@
               <a:defRPr/>
             </a:pPr>
             <a:r>
-              <a:rPr lang="en-US" baseline="0" dirty="0" smtClean="0"/>
-              <a:t>             </a:t>
-            </a:r>
-            <a:r>
-              <a:rPr lang="en-US" dirty="0" smtClean="0"/>
-              <a:t>Codes are shorter and easier to write</a:t>
-            </a:r>
-          </a:p>
-          <a:p>
-            <a:endParaRPr lang="en-US" dirty="0" smtClean="0"/>
-          </a:p>
-          <a:p>
-            <a:r>
-              <a:rPr lang="en-US" b="1" dirty="0" smtClean="0"/>
-              <a:t>WHEN THE SOURCE CODE IS TRANSLATED TO SOMETHING MACHINE CAN READ</a:t>
-            </a:r>
-          </a:p>
-          <a:p>
-            <a:endParaRPr lang="en-US" b="1" dirty="0" smtClean="0"/>
-          </a:p>
-          <a:p>
-            <a:r>
-              <a:rPr lang="en-US" dirty="0" smtClean="0"/>
-              <a:t>Time</a:t>
-            </a:r>
-          </a:p>
-          <a:p>
-            <a:pPr lvl="1"/>
-            <a:r>
-              <a:rPr lang="en-US" dirty="0" smtClean="0"/>
-              <a:t>Needs to be processed by</a:t>
-            </a:r>
-            <a:r>
-              <a:rPr lang="en-US" baseline="0" dirty="0" smtClean="0"/>
-              <a:t> the machine before they can run </a:t>
-            </a:r>
-            <a:endParaRPr lang="en-US" dirty="0" smtClean="0"/>
-          </a:p>
-          <a:p>
-            <a:pPr lvl="1"/>
-            <a:r>
-              <a:rPr lang="en-US" dirty="0" smtClean="0"/>
-              <a:t>But the coding takes less time to write</a:t>
-            </a:r>
-          </a:p>
-          <a:p>
-            <a:endParaRPr lang="en-US" sz="1200" b="1" kern="1200" dirty="0" smtClean="0">
-              <a:solidFill>
-                <a:schemeClr val="tx1"/>
-              </a:solidFill>
-              <a:effectLst/>
-              <a:latin typeface="+mn-lt"/>
-              <a:ea typeface="+mn-ea"/>
-              <a:cs typeface="+mn-cs"/>
-            </a:endParaRPr>
-          </a:p>
-          <a:p>
-            <a:r>
               <a:rPr lang="en-US" sz="1200" b="1" kern="1200" dirty="0" smtClean="0">
                 <a:solidFill>
                   <a:schemeClr val="tx1"/>
@@ -3193,236 +3746,7 @@
             </a:r>
           </a:p>
           <a:p>
-            <a:r>
-              <a:rPr lang="en-CA" sz="1200" b="1" kern="1200" dirty="0" smtClean="0">
-                <a:solidFill>
-                  <a:schemeClr val="tx1"/>
-                </a:solidFill>
-                <a:effectLst/>
-                <a:latin typeface="+mn-lt"/>
-                <a:ea typeface="+mn-ea"/>
-                <a:cs typeface="+mn-cs"/>
-              </a:rPr>
-              <a:t> Compilers read the program and translate it completely before the program starts running</a:t>
-            </a:r>
-            <a:endParaRPr lang="en-US" sz="1200" b="1" kern="1200" baseline="0" dirty="0" smtClean="0">
-              <a:solidFill>
-                <a:schemeClr val="tx1"/>
-              </a:solidFill>
-              <a:effectLst/>
-              <a:latin typeface="+mn-lt"/>
-              <a:ea typeface="+mn-ea"/>
-              <a:cs typeface="+mn-cs"/>
-            </a:endParaRPr>
-          </a:p>
-          <a:p>
-            <a:endParaRPr lang="en-CA" sz="1200" b="1" kern="1200" dirty="0" smtClean="0">
-              <a:solidFill>
-                <a:schemeClr val="tx1"/>
-              </a:solidFill>
-              <a:effectLst/>
-              <a:latin typeface="+mn-lt"/>
-              <a:ea typeface="+mn-ea"/>
-              <a:cs typeface="+mn-cs"/>
-            </a:endParaRPr>
-          </a:p>
-          <a:p>
-            <a:r>
-              <a:rPr lang="en-CA" sz="1200" b="1" kern="1200" dirty="0" smtClean="0">
-                <a:solidFill>
-                  <a:schemeClr val="tx1"/>
-                </a:solidFill>
-                <a:effectLst/>
-                <a:latin typeface="+mn-lt"/>
-                <a:ea typeface="+mn-ea"/>
-                <a:cs typeface="+mn-cs"/>
-              </a:rPr>
-              <a:t>Command-line mode</a:t>
-            </a:r>
-            <a:endParaRPr lang="en-CA" sz="1200" kern="1200" dirty="0" smtClean="0">
-              <a:solidFill>
-                <a:schemeClr val="tx1"/>
-              </a:solidFill>
-              <a:effectLst/>
-              <a:latin typeface="+mn-lt"/>
-              <a:ea typeface="+mn-ea"/>
-              <a:cs typeface="+mn-cs"/>
-            </a:endParaRPr>
-          </a:p>
-          <a:p>
-            <a:pPr lvl="1"/>
-            <a:r>
-              <a:rPr lang="en-CA" sz="1200" kern="1200" dirty="0" smtClean="0">
-                <a:solidFill>
-                  <a:schemeClr val="tx1"/>
-                </a:solidFill>
-                <a:effectLst/>
-                <a:latin typeface="+mn-lt"/>
-                <a:ea typeface="+mn-ea"/>
-                <a:cs typeface="+mn-cs"/>
-              </a:rPr>
-              <a:t>you type Python programs and</a:t>
-            </a:r>
-          </a:p>
-          <a:p>
-            <a:pPr lvl="1"/>
-            <a:r>
-              <a:rPr lang="en-CA" sz="1200" kern="1200" dirty="0" smtClean="0">
-                <a:solidFill>
-                  <a:schemeClr val="tx1"/>
-                </a:solidFill>
-                <a:effectLst/>
-                <a:latin typeface="+mn-lt"/>
-                <a:ea typeface="+mn-ea"/>
-                <a:cs typeface="+mn-cs"/>
-              </a:rPr>
-              <a:t>the interpreter prints the results</a:t>
-            </a:r>
-          </a:p>
-          <a:p>
-            <a:endParaRPr lang="en-CA" sz="1200" b="1" kern="1200" dirty="0" smtClean="0">
-              <a:solidFill>
-                <a:schemeClr val="tx1"/>
-              </a:solidFill>
-              <a:effectLst/>
-              <a:latin typeface="+mn-lt"/>
-              <a:ea typeface="+mn-ea"/>
-              <a:cs typeface="+mn-cs"/>
-            </a:endParaRPr>
-          </a:p>
-          <a:p>
-            <a:r>
-              <a:rPr lang="en-CA" sz="1200" b="1" kern="1200" dirty="0" smtClean="0">
-                <a:solidFill>
-                  <a:schemeClr val="tx1"/>
-                </a:solidFill>
-                <a:effectLst/>
-                <a:latin typeface="+mn-lt"/>
-                <a:ea typeface="+mn-ea"/>
-                <a:cs typeface="+mn-cs"/>
-              </a:rPr>
-              <a:t>Script mode</a:t>
-            </a:r>
-            <a:endParaRPr lang="en-CA" sz="1200" kern="1200" dirty="0" smtClean="0">
-              <a:solidFill>
-                <a:schemeClr val="tx1"/>
-              </a:solidFill>
-              <a:effectLst/>
-              <a:latin typeface="+mn-lt"/>
-              <a:ea typeface="+mn-ea"/>
-              <a:cs typeface="+mn-cs"/>
-            </a:endParaRPr>
-          </a:p>
-          <a:p>
-            <a:pPr lvl="1"/>
-            <a:r>
-              <a:rPr lang="en-CA" sz="1200" kern="1200" dirty="0" smtClean="0">
-                <a:solidFill>
-                  <a:schemeClr val="tx1"/>
-                </a:solidFill>
-                <a:effectLst/>
-                <a:latin typeface="+mn-lt"/>
-                <a:ea typeface="+mn-ea"/>
-                <a:cs typeface="+mn-cs"/>
-              </a:rPr>
-              <a:t>you write a program in a file and </a:t>
-            </a:r>
-          </a:p>
-          <a:p>
-            <a:pPr lvl="1"/>
-            <a:r>
-              <a:rPr lang="en-CA" sz="1200" kern="1200" dirty="0" smtClean="0">
-                <a:solidFill>
-                  <a:schemeClr val="tx1"/>
-                </a:solidFill>
-                <a:effectLst/>
-                <a:latin typeface="+mn-lt"/>
-                <a:ea typeface="+mn-ea"/>
-                <a:cs typeface="+mn-cs"/>
-              </a:rPr>
-              <a:t>use the interpreter to execute the contents of the file. </a:t>
-            </a:r>
-          </a:p>
-          <a:p>
-            <a:pPr lvl="1"/>
-            <a:r>
-              <a:rPr lang="en-CA" sz="1200" kern="1200" dirty="0" smtClean="0">
-                <a:solidFill>
-                  <a:schemeClr val="tx1"/>
-                </a:solidFill>
-                <a:effectLst/>
-                <a:latin typeface="+mn-lt"/>
-                <a:ea typeface="+mn-ea"/>
-                <a:cs typeface="+mn-cs"/>
-              </a:rPr>
-              <a:t>Such file is called a script. </a:t>
-            </a:r>
-          </a:p>
-          <a:p>
-            <a:pPr lvl="1"/>
-            <a:r>
-              <a:rPr lang="en-CA" sz="1200" kern="1200" dirty="0" smtClean="0">
-                <a:solidFill>
-                  <a:schemeClr val="tx1"/>
-                </a:solidFill>
-                <a:effectLst/>
-                <a:latin typeface="+mn-lt"/>
-                <a:ea typeface="+mn-ea"/>
-                <a:cs typeface="+mn-cs"/>
-              </a:rPr>
-              <a:t>Once you have a working program, you should store it in a script, so you can execute or modify it in the future.</a:t>
-            </a:r>
-          </a:p>
-          <a:p>
-            <a:pPr lvl="1"/>
-            <a:r>
-              <a:rPr lang="en-CA" sz="1200" kern="1200" dirty="0" smtClean="0">
-                <a:solidFill>
-                  <a:schemeClr val="tx1"/>
-                </a:solidFill>
-                <a:effectLst/>
-                <a:latin typeface="+mn-lt"/>
-                <a:ea typeface="+mn-ea"/>
-                <a:cs typeface="+mn-cs"/>
-              </a:rPr>
-              <a:t>Python scripts have names that end with .</a:t>
-            </a:r>
-            <a:r>
-              <a:rPr lang="en-CA" sz="1200" kern="1200" dirty="0" err="1" smtClean="0">
-                <a:solidFill>
-                  <a:schemeClr val="tx1"/>
-                </a:solidFill>
-                <a:effectLst/>
-                <a:latin typeface="+mn-lt"/>
-                <a:ea typeface="+mn-ea"/>
-                <a:cs typeface="+mn-cs"/>
-              </a:rPr>
-              <a:t>py</a:t>
-            </a:r>
-            <a:r>
-              <a:rPr lang="en-CA" sz="1200" kern="1200" dirty="0" smtClean="0">
-                <a:solidFill>
-                  <a:schemeClr val="tx1"/>
-                </a:solidFill>
-                <a:effectLst/>
-                <a:latin typeface="+mn-lt"/>
-                <a:ea typeface="+mn-ea"/>
-                <a:cs typeface="+mn-cs"/>
-              </a:rPr>
-              <a:t>.</a:t>
-            </a:r>
-          </a:p>
-          <a:p>
-            <a:pPr lvl="0"/>
-            <a:endParaRPr lang="en-CA" sz="1200" kern="1200" dirty="0" smtClean="0">
-              <a:solidFill>
-                <a:schemeClr val="tx1"/>
-              </a:solidFill>
-              <a:effectLst/>
-              <a:latin typeface="+mn-lt"/>
-              <a:ea typeface="+mn-ea"/>
-              <a:cs typeface="+mn-cs"/>
-            </a:endParaRPr>
+            <a:endParaRPr lang="en-US" b="1" dirty="0" smtClean="0"/>
           </a:p>
           <a:p>
             <a:pPr marL="0" marR="0" lvl="0" indent="0" algn="l" defTabSz="914400" rtl="0" eaLnBrk="1" fontAlgn="auto" latinLnBrk="0" hangingPunct="1">
@@ -3443,6 +3767,356 @@
               <a:defRPr/>
             </a:pPr>
             <a:r>
+              <a:rPr lang="en-US" dirty="0" smtClean="0"/>
+              <a:t>Ease of Use</a:t>
+            </a:r>
+          </a:p>
+          <a:p>
+            <a:pPr marL="0" marR="0" lvl="0" indent="0" algn="l" defTabSz="914400" rtl="0" eaLnBrk="1" fontAlgn="auto" latinLnBrk="0" hangingPunct="1">
+              <a:lnSpc>
+                <a:spcPct val="100000"/>
+              </a:lnSpc>
+              <a:spcBef>
+                <a:spcPts val="0"/>
+              </a:spcBef>
+              <a:spcAft>
+                <a:spcPts val="0"/>
+              </a:spcAft>
+              <a:buClrTx/>
+              <a:buSzTx/>
+              <a:buFontTx/>
+              <a:buNone/>
+              <a:tabLst/>
+              <a:defRPr/>
+            </a:pPr>
+            <a:r>
+              <a:rPr lang="en-US" baseline="0" dirty="0" smtClean="0"/>
+              <a:t>             </a:t>
+            </a:r>
+            <a:r>
+              <a:rPr lang="en-US" dirty="0" smtClean="0"/>
+              <a:t>Codes are shorter and easier to write</a:t>
+            </a:r>
+          </a:p>
+          <a:p>
+            <a:endParaRPr lang="en-US" b="1" dirty="0" smtClean="0"/>
+          </a:p>
+          <a:p>
+            <a:r>
+              <a:rPr lang="en-US" dirty="0" smtClean="0"/>
+              <a:t>Time</a:t>
+            </a:r>
+          </a:p>
+          <a:p>
+            <a:pPr lvl="1"/>
+            <a:r>
+              <a:rPr lang="en-US" dirty="0" smtClean="0"/>
+              <a:t>Needs to be processed by</a:t>
+            </a:r>
+            <a:r>
+              <a:rPr lang="en-US" baseline="0" dirty="0" smtClean="0"/>
+              <a:t> the machine before they can run </a:t>
+            </a:r>
+            <a:endParaRPr lang="en-US" dirty="0" smtClean="0"/>
+          </a:p>
+          <a:p>
+            <a:pPr lvl="1"/>
+            <a:r>
+              <a:rPr lang="en-US" dirty="0" smtClean="0"/>
+              <a:t>But the coding takes less time to write</a:t>
+            </a:r>
+          </a:p>
+          <a:p>
+            <a:endParaRPr lang="en-US" dirty="0" smtClean="0"/>
+          </a:p>
+          <a:p>
+            <a:r>
+              <a:rPr lang="en-US" dirty="0" smtClean="0"/>
+              <a:t>Portable and Extensible</a:t>
+            </a:r>
+          </a:p>
+          <a:p>
+            <a:pPr lvl="1"/>
+            <a:r>
+              <a:rPr lang="en-US" dirty="0" smtClean="0"/>
+              <a:t>Windows, Mac, Linux to Solaris, Play-stations, </a:t>
+            </a:r>
+            <a:r>
+              <a:rPr lang="en-US" dirty="0" err="1" smtClean="0"/>
+              <a:t>etc</a:t>
+            </a:r>
+            <a:endParaRPr lang="en-US" dirty="0" smtClean="0"/>
+          </a:p>
+          <a:p>
+            <a:pPr lvl="1"/>
+            <a:r>
+              <a:rPr lang="en-US" dirty="0" smtClean="0"/>
+              <a:t>Integrates with libraries of other languages easily</a:t>
+            </a:r>
+            <a:endParaRPr lang="en-CA" dirty="0" smtClean="0"/>
+          </a:p>
+          <a:p>
+            <a:endParaRPr lang="en-US" sz="1200" b="1" kern="1200" dirty="0" smtClean="0">
+              <a:solidFill>
+                <a:schemeClr val="tx1"/>
+              </a:solidFill>
+              <a:effectLst/>
+              <a:latin typeface="+mn-lt"/>
+              <a:ea typeface="+mn-ea"/>
+              <a:cs typeface="+mn-cs"/>
+            </a:endParaRPr>
+          </a:p>
+          <a:p>
+            <a:endParaRPr lang="en-US" sz="1200" b="1" kern="1200" dirty="0" smtClean="0">
+              <a:solidFill>
+                <a:schemeClr val="tx1"/>
+              </a:solidFill>
+              <a:effectLst/>
+              <a:latin typeface="+mn-lt"/>
+              <a:ea typeface="+mn-ea"/>
+              <a:cs typeface="+mn-cs"/>
+            </a:endParaRPr>
+          </a:p>
+          <a:p>
+            <a:r>
+              <a:rPr lang="en-US" sz="1200" b="1" kern="1200" dirty="0" smtClean="0">
+                <a:solidFill>
+                  <a:schemeClr val="tx1"/>
+                </a:solidFill>
+                <a:effectLst/>
+                <a:latin typeface="+mn-lt"/>
+                <a:ea typeface="+mn-ea"/>
+                <a:cs typeface="+mn-cs"/>
+              </a:rPr>
+              <a:t>Modes</a:t>
+            </a:r>
+            <a:endParaRPr lang="en-CA" sz="1200" b="1" kern="1200" dirty="0" smtClean="0">
+              <a:solidFill>
+                <a:schemeClr val="tx1"/>
+              </a:solidFill>
+              <a:effectLst/>
+              <a:latin typeface="+mn-lt"/>
+              <a:ea typeface="+mn-ea"/>
+              <a:cs typeface="+mn-cs"/>
+            </a:endParaRPr>
+          </a:p>
+          <a:p>
+            <a:r>
+              <a:rPr lang="en-CA" sz="1200" b="1" kern="1200" dirty="0" smtClean="0">
+                <a:solidFill>
+                  <a:schemeClr val="tx1"/>
+                </a:solidFill>
+                <a:effectLst/>
+                <a:latin typeface="+mn-lt"/>
+                <a:ea typeface="+mn-ea"/>
+                <a:cs typeface="+mn-cs"/>
+              </a:rPr>
+              <a:t>Command-line mode</a:t>
+            </a:r>
+            <a:endParaRPr lang="en-CA" sz="1200" kern="1200" dirty="0" smtClean="0">
+              <a:solidFill>
+                <a:schemeClr val="tx1"/>
+              </a:solidFill>
+              <a:effectLst/>
+              <a:latin typeface="+mn-lt"/>
+              <a:ea typeface="+mn-ea"/>
+              <a:cs typeface="+mn-cs"/>
+            </a:endParaRPr>
+          </a:p>
+          <a:p>
+            <a:pPr lvl="1"/>
+            <a:r>
+              <a:rPr lang="en-CA" sz="1200" kern="1200" dirty="0" smtClean="0">
+                <a:solidFill>
+                  <a:schemeClr val="tx1"/>
+                </a:solidFill>
+                <a:effectLst/>
+                <a:latin typeface="+mn-lt"/>
+                <a:ea typeface="+mn-ea"/>
+                <a:cs typeface="+mn-cs"/>
+              </a:rPr>
+              <a:t>you type Python programs and</a:t>
+            </a:r>
+          </a:p>
+          <a:p>
+            <a:pPr lvl="1"/>
+            <a:r>
+              <a:rPr lang="en-CA" sz="1200" kern="1200" dirty="0" smtClean="0">
+                <a:solidFill>
+                  <a:schemeClr val="tx1"/>
+                </a:solidFill>
+                <a:effectLst/>
+                <a:latin typeface="+mn-lt"/>
+                <a:ea typeface="+mn-ea"/>
+                <a:cs typeface="+mn-cs"/>
+              </a:rPr>
+              <a:t>the interpreter prints the results</a:t>
+            </a:r>
+          </a:p>
+          <a:p>
+            <a:endParaRPr lang="en-CA" sz="1200" b="1" kern="1200" dirty="0" smtClean="0">
+              <a:solidFill>
+                <a:schemeClr val="tx1"/>
+              </a:solidFill>
+              <a:effectLst/>
+              <a:latin typeface="+mn-lt"/>
+              <a:ea typeface="+mn-ea"/>
+              <a:cs typeface="+mn-cs"/>
+            </a:endParaRPr>
+          </a:p>
+          <a:p>
+            <a:r>
+              <a:rPr lang="en-CA" sz="1200" b="1" kern="1200" dirty="0" smtClean="0">
+                <a:solidFill>
+                  <a:schemeClr val="tx1"/>
+                </a:solidFill>
+                <a:effectLst/>
+                <a:latin typeface="+mn-lt"/>
+                <a:ea typeface="+mn-ea"/>
+                <a:cs typeface="+mn-cs"/>
+              </a:rPr>
+              <a:t>Script mode</a:t>
+            </a:r>
+            <a:endParaRPr lang="en-CA" sz="1200" kern="1200" dirty="0" smtClean="0">
+              <a:solidFill>
+                <a:schemeClr val="tx1"/>
+              </a:solidFill>
+              <a:effectLst/>
+              <a:latin typeface="+mn-lt"/>
+              <a:ea typeface="+mn-ea"/>
+              <a:cs typeface="+mn-cs"/>
+            </a:endParaRPr>
+          </a:p>
+          <a:p>
+            <a:pPr lvl="1"/>
+            <a:r>
+              <a:rPr lang="en-CA" sz="1200" kern="1200" dirty="0" smtClean="0">
+                <a:solidFill>
+                  <a:schemeClr val="tx1"/>
+                </a:solidFill>
+                <a:effectLst/>
+                <a:latin typeface="+mn-lt"/>
+                <a:ea typeface="+mn-ea"/>
+                <a:cs typeface="+mn-cs"/>
+              </a:rPr>
+              <a:t>you write a program in a file and </a:t>
+            </a:r>
+          </a:p>
+          <a:p>
+            <a:pPr lvl="1"/>
+            <a:r>
+              <a:rPr lang="en-CA" sz="1200" kern="1200" dirty="0" smtClean="0">
+                <a:solidFill>
+                  <a:schemeClr val="tx1"/>
+                </a:solidFill>
+                <a:effectLst/>
+                <a:latin typeface="+mn-lt"/>
+                <a:ea typeface="+mn-ea"/>
+                <a:cs typeface="+mn-cs"/>
+              </a:rPr>
+              <a:t>use the interpreter to execute the contents of the file. </a:t>
+            </a:r>
+          </a:p>
+          <a:p>
+            <a:pPr lvl="1"/>
+            <a:r>
+              <a:rPr lang="en-CA" sz="1200" kern="1200" dirty="0" smtClean="0">
+                <a:solidFill>
+                  <a:schemeClr val="tx1"/>
+                </a:solidFill>
+                <a:effectLst/>
+                <a:latin typeface="+mn-lt"/>
+                <a:ea typeface="+mn-ea"/>
+                <a:cs typeface="+mn-cs"/>
+              </a:rPr>
+              <a:t>Such file is called a script. </a:t>
+            </a:r>
+          </a:p>
+          <a:p>
+            <a:pPr lvl="1"/>
+            <a:r>
+              <a:rPr lang="en-CA" sz="1200" kern="1200" dirty="0" smtClean="0">
+                <a:solidFill>
+                  <a:schemeClr val="tx1"/>
+                </a:solidFill>
+                <a:effectLst/>
+                <a:latin typeface="+mn-lt"/>
+                <a:ea typeface="+mn-ea"/>
+                <a:cs typeface="+mn-cs"/>
+              </a:rPr>
+              <a:t>Once you have a working program, you should store it in a script, so you can execute or modify it in the future.</a:t>
+            </a:r>
+          </a:p>
+          <a:p>
+            <a:pPr lvl="1"/>
+            <a:r>
+              <a:rPr lang="en-CA" sz="1200" kern="1200" dirty="0" smtClean="0">
+                <a:solidFill>
+                  <a:schemeClr val="tx1"/>
+                </a:solidFill>
+                <a:effectLst/>
+                <a:latin typeface="+mn-lt"/>
+                <a:ea typeface="+mn-ea"/>
+                <a:cs typeface="+mn-cs"/>
+              </a:rPr>
+              <a:t>Python scripts have names that end with .</a:t>
+            </a:r>
+            <a:r>
+              <a:rPr lang="en-CA" sz="1200" kern="1200" dirty="0" err="1" smtClean="0">
+                <a:solidFill>
+                  <a:schemeClr val="tx1"/>
+                </a:solidFill>
+                <a:effectLst/>
+                <a:latin typeface="+mn-lt"/>
+                <a:ea typeface="+mn-ea"/>
+                <a:cs typeface="+mn-cs"/>
+              </a:rPr>
+              <a:t>py</a:t>
+            </a:r>
+            <a:r>
+              <a:rPr lang="en-CA" sz="1200" kern="1200" dirty="0" smtClean="0">
+                <a:solidFill>
+                  <a:schemeClr val="tx1"/>
+                </a:solidFill>
+                <a:effectLst/>
+                <a:latin typeface="+mn-lt"/>
+                <a:ea typeface="+mn-ea"/>
+                <a:cs typeface="+mn-cs"/>
+              </a:rPr>
+              <a:t>.</a:t>
+            </a:r>
+          </a:p>
+          <a:p>
+            <a:pPr lvl="0"/>
+            <a:endParaRPr lang="en-CA" sz="1200" kern="1200" dirty="0" smtClean="0">
+              <a:solidFill>
+                <a:schemeClr val="tx1"/>
+              </a:solidFill>
+              <a:effectLst/>
+              <a:latin typeface="+mn-lt"/>
+              <a:ea typeface="+mn-ea"/>
+              <a:cs typeface="+mn-cs"/>
+            </a:endParaRPr>
+          </a:p>
+          <a:p>
+            <a:pPr marL="0" marR="0" lvl="0" indent="0" algn="l" defTabSz="914400" rtl="0" eaLnBrk="1" fontAlgn="auto" latinLnBrk="0" hangingPunct="1">
+              <a:lnSpc>
+                <a:spcPct val="100000"/>
+              </a:lnSpc>
+              <a:spcBef>
+                <a:spcPts val="0"/>
+              </a:spcBef>
+              <a:spcAft>
+                <a:spcPts val="0"/>
+              </a:spcAft>
+              <a:buClrTx/>
+              <a:buSzTx/>
+              <a:buFontTx/>
+              <a:buNone/>
+              <a:tabLst/>
+              <a:defRPr/>
+            </a:pPr>
+            <a:r>
               <a:rPr lang="en-CA" sz="1200" b="1" kern="1200" dirty="0" smtClean="0">
                 <a:solidFill>
                   <a:schemeClr val="tx1"/>
@@ -3558,32 +4232,6 @@
               <a:ea typeface="+mn-ea"/>
               <a:cs typeface="+mn-cs"/>
             </a:endParaRPr>
-          </a:p>
-          <a:p>
-            <a:r>
-              <a:rPr lang="en-US" dirty="0" smtClean="0"/>
-              <a:t>Portable and Extensible</a:t>
-            </a:r>
-          </a:p>
-          <a:p>
-            <a:pPr lvl="1"/>
-            <a:r>
-              <a:rPr lang="en-US" dirty="0" smtClean="0"/>
-              <a:t>Windows, Mac, Linux to Solaris, Play-stations, </a:t>
-            </a:r>
-            <a:r>
-              <a:rPr lang="en-US" dirty="0" err="1" smtClean="0"/>
-              <a:t>etc</a:t>
-            </a:r>
-            <a:endParaRPr lang="en-US" dirty="0" smtClean="0"/>
-          </a:p>
-          <a:p>
-            <a:pPr lvl="1"/>
-            <a:r>
-              <a:rPr lang="en-US" dirty="0" smtClean="0"/>
-              <a:t>Integrates with libraries of other languages easily</a:t>
-            </a:r>
-            <a:endParaRPr lang="en-CA" dirty="0" smtClean="0"/>
           </a:p>
           <a:p>
             <a:endParaRPr lang="en-CA" dirty="0"/>
@@ -3753,8 +4401,17 @@
                 <a:ea typeface="+mn-ea"/>
                 <a:cs typeface="+mn-cs"/>
               </a:rPr>
-              <a:t>formalizes which categories of objects it can work with and how those categories are treated. </a:t>
-            </a:r>
+              <a:t>formalizes which categories of objects </a:t>
+            </a:r>
+            <a:endParaRPr lang="en-CA" sz="1200" b="1" kern="1200" dirty="0" smtClean="0">
+              <a:solidFill>
+                <a:schemeClr val="tx1"/>
+              </a:solidFill>
+              <a:effectLst/>
+              <a:latin typeface="+mn-lt"/>
+              <a:ea typeface="+mn-ea"/>
+              <a:cs typeface="+mn-cs"/>
+            </a:endParaRPr>
           </a:p>
           <a:p>
             <a:pPr marL="0" marR="0" lvl="0" indent="0" algn="l" defTabSz="914400" rtl="0" eaLnBrk="1" fontAlgn="auto" latinLnBrk="0" hangingPunct="1">
@@ -3774,6 +4431,30 @@
               <a:tabLst/>
               <a:defRPr/>
             </a:pPr>
+            <a:r>
+              <a:rPr lang="en-CA" sz="1200" b="1" kern="1200" dirty="0" smtClean="0">
+                <a:solidFill>
+                  <a:schemeClr val="tx1"/>
+                </a:solidFill>
+                <a:effectLst/>
+                <a:latin typeface="+mn-lt"/>
+                <a:ea typeface="+mn-ea"/>
+                <a:cs typeface="+mn-cs"/>
+              </a:rPr>
+              <a:t>it </a:t>
+            </a:r>
+            <a:r>
+              <a:rPr lang="en-CA" sz="1200" b="1" kern="1200" dirty="0" smtClean="0">
+                <a:solidFill>
+                  <a:schemeClr val="tx1"/>
+                </a:solidFill>
+                <a:effectLst/>
+                <a:latin typeface="+mn-lt"/>
+                <a:ea typeface="+mn-ea"/>
+                <a:cs typeface="+mn-cs"/>
+              </a:rPr>
+              <a:t>can work with and </a:t>
+            </a:r>
             <a:endParaRPr lang="en-CA" sz="1200" b="1" kern="1200" dirty="0" smtClean="0">
               <a:solidFill>
                 <a:schemeClr val="tx1"/>
@@ -3803,7 +4484,7 @@
               <a:defRPr/>
             </a:pPr>
             <a:r>
-              <a:rPr lang="en-US" sz="1200" b="0" kern="1200" dirty="0" smtClean="0">
+              <a:rPr lang="en-CA" sz="1200" b="1" kern="1200" dirty="0" smtClean="0">
                 <a:solidFill>
                   <a:schemeClr val="tx1"/>
                 </a:solidFill>
@@ -3812,10 +4493,10 @@
                 <a:ea typeface="+mn-ea"/>
                 <a:cs typeface="+mn-cs"/>
               </a:rPr>
-              <a:t>In languages like C, when we declare a variable, this sets aside an area of</a:t>
-            </a:r>
-            <a:r>
-              <a:rPr lang="en-US" sz="1200" b="0" kern="1200" baseline="0" dirty="0" smtClean="0">
+              <a:t>how </a:t>
+            </a:r>
+            <a:r>
+              <a:rPr lang="en-CA" sz="1200" b="1" kern="1200" dirty="0" smtClean="0">
                 <a:solidFill>
                   <a:schemeClr val="tx1"/>
                 </a:solidFill>
@@ -3824,7 +4505,7 @@
                 <a:ea typeface="+mn-ea"/>
                 <a:cs typeface="+mn-cs"/>
               </a:rPr>
-              <a:t> memory for holding values allowed by the data type declared. During compile, initial value or assigned value will be checked and an error is raised if they do not match.</a:t>
+              <a:t>those categories are treated. </a:t>
             </a:r>
           </a:p>
           <a:p>
@@ -3883,8 +4564,17 @@
                 <a:ea typeface="+mn-ea"/>
                 <a:cs typeface="+mn-cs"/>
               </a:rPr>
-              <a:t>In python, it doesn’t know about the type of the variable until the code is run. It stores the value at some memory location and then binds that variable name to that memory container and makes the content of the container accessible through that variable name. So the data type does not matter.  </a:t>
-            </a:r>
+              <a:t>In python, it doesn’t know about the type of the variable until the code is run. </a:t>
+            </a:r>
+            <a:endParaRPr lang="en-US" sz="1200" b="0" kern="1200" baseline="0" dirty="0" smtClean="0">
+              <a:solidFill>
+                <a:schemeClr val="tx1"/>
+              </a:solidFill>
+              <a:effectLst/>
+              <a:latin typeface="+mn-lt"/>
+              <a:ea typeface="+mn-ea"/>
+              <a:cs typeface="+mn-cs"/>
+            </a:endParaRPr>
           </a:p>
           <a:p>
             <a:pPr marL="0" marR="0" lvl="0" indent="0" algn="l" defTabSz="914400" rtl="0" eaLnBrk="1" fontAlgn="auto" latinLnBrk="0" hangingPunct="1">
@@ -3904,7 +4594,7 @@
               <a:tabLst/>
               <a:defRPr/>
             </a:pPr>
-            <a:endParaRPr lang="en-CA" sz="1200" b="0" kern="1200" dirty="0" smtClean="0">
+            <a:endParaRPr lang="en-US" sz="1200" b="0" kern="1200" baseline="0" dirty="0" smtClean="0">
               <a:solidFill>
                 <a:schemeClr val="tx1"/>
               </a:solidFill>
@@ -4116,7 +4806,110 @@
             </a:pPr>
             <a:r>
               <a:rPr lang="en-CA" dirty="0" smtClean="0"/>
-              <a:t>There is no need to deal with complex syntax and extensive rules. Python is easy to read and closely resembles the English language. </a:t>
+              <a:t>There is no need to deal with </a:t>
+            </a:r>
+            <a:endParaRPr lang="en-CA" dirty="0" smtClean="0"/>
+          </a:p>
+          <a:p>
+            <a:pPr marL="628650" marR="0" lvl="1" indent="-171450" algn="l" defTabSz="914400" rtl="0" eaLnBrk="1" fontAlgn="auto" latinLnBrk="0" hangingPunct="1">
+              <a:lnSpc>
+                <a:spcPct val="100000"/>
+              </a:lnSpc>
+              <a:spcBef>
+                <a:spcPts val="0"/>
+              </a:spcBef>
+              <a:spcAft>
+                <a:spcPts val="0"/>
+              </a:spcAft>
+              <a:buClrTx/>
+              <a:buSzTx/>
+              <a:buFontTx/>
+              <a:buChar char="-"/>
+              <a:tabLst/>
+              <a:defRPr/>
+            </a:pPr>
+            <a:r>
+              <a:rPr lang="en-CA" b="1" dirty="0" smtClean="0"/>
+              <a:t>complex </a:t>
+            </a:r>
+            <a:r>
+              <a:rPr lang="en-CA" b="1" dirty="0" smtClean="0"/>
+              <a:t>syntax </a:t>
+            </a:r>
+            <a:r>
+              <a:rPr lang="en-CA" dirty="0" smtClean="0"/>
+              <a:t>and </a:t>
+            </a:r>
+            <a:endParaRPr lang="en-CA" dirty="0" smtClean="0"/>
+          </a:p>
+          <a:p>
+            <a:pPr marL="628650" marR="0" lvl="1" indent="-171450" algn="l" defTabSz="914400" rtl="0" eaLnBrk="1" fontAlgn="auto" latinLnBrk="0" hangingPunct="1">
+              <a:lnSpc>
+                <a:spcPct val="100000"/>
+              </a:lnSpc>
+              <a:spcBef>
+                <a:spcPts val="0"/>
+              </a:spcBef>
+              <a:spcAft>
+                <a:spcPts val="0"/>
+              </a:spcAft>
+              <a:buClrTx/>
+              <a:buSzTx/>
+              <a:buFontTx/>
+              <a:buChar char="-"/>
+              <a:tabLst/>
+              <a:defRPr/>
+            </a:pPr>
+            <a:r>
+              <a:rPr lang="en-CA" b="1" dirty="0" smtClean="0"/>
+              <a:t>extensive rules</a:t>
+            </a:r>
+          </a:p>
+          <a:p>
+            <a:pPr marL="457200" marR="0" lvl="1" indent="0" algn="l" defTabSz="914400" rtl="0" eaLnBrk="1" fontAlgn="auto" latinLnBrk="0" hangingPunct="1">
+              <a:lnSpc>
+                <a:spcPct val="100000"/>
+              </a:lnSpc>
+              <a:spcBef>
+                <a:spcPts val="0"/>
+              </a:spcBef>
+              <a:spcAft>
+                <a:spcPts val="0"/>
+              </a:spcAft>
+              <a:buClrTx/>
+              <a:buSzTx/>
+              <a:buFontTx/>
+              <a:buNone/>
+              <a:tabLst/>
+              <a:defRPr/>
+            </a:pPr>
+            <a:endParaRPr lang="en-CA" b="1" dirty="0" smtClean="0"/>
+          </a:p>
+          <a:p>
+            <a:pPr marL="171450" marR="0" lvl="0" indent="-171450" algn="l" defTabSz="914400" rtl="0" eaLnBrk="1" fontAlgn="auto" latinLnBrk="0" hangingPunct="1">
+              <a:lnSpc>
+                <a:spcPct val="100000"/>
+              </a:lnSpc>
+              <a:spcBef>
+                <a:spcPts val="0"/>
+              </a:spcBef>
+              <a:spcAft>
+                <a:spcPts val="0"/>
+              </a:spcAft>
+              <a:buClrTx/>
+              <a:buSzTx/>
+              <a:buFontTx/>
+              <a:buChar char="-"/>
+              <a:tabLst/>
+              <a:defRPr/>
+            </a:pPr>
+            <a:r>
+              <a:rPr lang="en-CA" dirty="0" smtClean="0"/>
+              <a:t>Python </a:t>
+            </a:r>
+            <a:r>
+              <a:rPr lang="en-CA" dirty="0" smtClean="0"/>
+              <a:t>is easy to read and closely resembles the English language. </a:t>
             </a:r>
           </a:p>
           <a:p>
@@ -4140,7 +4933,7 @@
             <a:endParaRPr lang="en-CA" dirty="0" smtClean="0"/>
           </a:p>
           <a:p>
-            <a:pPr marL="171450" marR="0" lvl="0" indent="-171450" algn="l" defTabSz="914400" rtl="0" eaLnBrk="1" fontAlgn="auto" latinLnBrk="0" hangingPunct="1">
+            <a:pPr marL="0" marR="0" lvl="0" indent="0" algn="l" defTabSz="914400" rtl="0" eaLnBrk="1" fontAlgn="auto" latinLnBrk="0" hangingPunct="1">
               <a:lnSpc>
                 <a:spcPct val="100000"/>
               </a:lnSpc>
@@ -4153,99 +4946,7 @@
               <a:buClrTx/>
               <a:buSzTx/>
               <a:buFontTx/>
-              <a:buChar char="-"/>
-              <a:tabLst/>
-              <a:defRPr/>
-            </a:pPr>
-            <a:r>
-              <a:rPr lang="en-CA" dirty="0" smtClean="0"/>
-              <a:t>No need to deal with class path problems like Java or compiler issues like C++. </a:t>
-            </a:r>
-          </a:p>
-          <a:p>
-            <a:pPr marL="628650" marR="0" lvl="1" indent="-171450" algn="l" defTabSz="914400" rtl="0" eaLnBrk="1" fontAlgn="auto" latinLnBrk="0" hangingPunct="1">
-              <a:lnSpc>
-                <a:spcPct val="100000"/>
-              </a:lnSpc>
-              <a:spcBef>
-                <a:spcPts val="0"/>
-              </a:spcBef>
-              <a:spcAft>
-                <a:spcPts val="0"/>
-              </a:spcAft>
-              <a:buClrTx/>
-              <a:buSzTx/>
-              <a:buFontTx/>
-              <a:buChar char="-"/>
-              <a:tabLst/>
-              <a:defRPr/>
-            </a:pPr>
-            <a:r>
-              <a:rPr lang="en-CA" dirty="0" smtClean="0"/>
-              <a:t>Just install python.</a:t>
-            </a:r>
-          </a:p>
-          <a:p>
-            <a:pPr marL="628650" marR="0" lvl="1" indent="-171450" algn="l" defTabSz="914400" rtl="0" eaLnBrk="1" fontAlgn="auto" latinLnBrk="0" hangingPunct="1">
-              <a:lnSpc>
-                <a:spcPct val="100000"/>
-              </a:lnSpc>
-              <a:spcBef>
-                <a:spcPts val="0"/>
-              </a:spcBef>
-              <a:spcAft>
-                <a:spcPts val="0"/>
-              </a:spcAft>
-              <a:buClrTx/>
-              <a:buSzTx/>
-              <a:buFontTx/>
-              <a:buChar char="-"/>
-              <a:tabLst/>
-              <a:defRPr/>
-            </a:pPr>
-            <a:r>
-              <a:rPr lang="en-CA" dirty="0" smtClean="0"/>
-              <a:t>Add Python in PATH and </a:t>
-            </a:r>
-          </a:p>
-          <a:p>
-            <a:pPr marL="628650" marR="0" lvl="1" indent="-171450" algn="l" defTabSz="914400" rtl="0" eaLnBrk="1" fontAlgn="auto" latinLnBrk="0" hangingPunct="1">
-              <a:lnSpc>
-                <a:spcPct val="100000"/>
-              </a:lnSpc>
-              <a:spcBef>
-                <a:spcPts val="0"/>
-              </a:spcBef>
-              <a:spcAft>
-                <a:spcPts val="0"/>
-              </a:spcAft>
-              <a:buClrTx/>
-              <a:buSzTx/>
-              <a:buFontTx/>
-              <a:buChar char="-"/>
-              <a:tabLst/>
-              <a:defRPr/>
-            </a:pPr>
-            <a:r>
-              <a:rPr lang="en-CA" dirty="0" smtClean="0"/>
-              <a:t>you can run it from anywhere on your machine. </a:t>
-            </a:r>
-          </a:p>
-          <a:p>
-            <a:pPr marL="171450" marR="0" lvl="0" indent="-171450" algn="l" defTabSz="914400" rtl="0" eaLnBrk="1" fontAlgn="auto" latinLnBrk="0" hangingPunct="1">
-              <a:lnSpc>
-                <a:spcPct val="100000"/>
-              </a:lnSpc>
-              <a:spcBef>
-                <a:spcPts val="0"/>
-              </a:spcBef>
-              <a:spcAft>
-                <a:spcPts val="0"/>
-              </a:spcAft>
-              <a:buClrTx/>
-              <a:buSzTx/>
-              <a:buFontTx/>
-              <a:buChar char="-"/>
+              <a:buNone/>
               <a:tabLst/>
               <a:defRPr/>
             </a:pPr>
@@ -4339,8 +5040,17 @@
             <a:pPr lvl="1"/>
             <a:r>
               <a:rPr lang="en-US" sz="1100" dirty="0" smtClean="0"/>
-              <a:t>Python itself isn't very competitive for numerical computing performance, </a:t>
-            </a:r>
+              <a:t>Python </a:t>
+            </a:r>
+            <a:r>
+              <a:rPr lang="en-US" sz="1100" dirty="0" smtClean="0"/>
+              <a:t>itself isn't very competitive for numerical computing performance, </a:t>
+            </a:r>
+            <a:endParaRPr lang="en-US" sz="1100" dirty="0" smtClean="0"/>
+          </a:p>
+          <a:p>
+            <a:pPr lvl="1"/>
+            <a:endParaRPr lang="en-US" sz="1100" dirty="0" smtClean="0"/>
           </a:p>
           <a:p>
             <a:pPr lvl="1"/>
@@ -4351,9 +5061,17 @@
           </a:p>
           <a:p>
             <a:pPr lvl="1"/>
+            <a:endParaRPr lang="en-US" sz="1100" dirty="0" smtClean="0"/>
+          </a:p>
+          <a:p>
+            <a:pPr lvl="1"/>
             <a:r>
               <a:rPr lang="en-US" sz="1100" dirty="0" smtClean="0"/>
-              <a:t>performant code can be wrapped and used from python as a supporting library. </a:t>
+              <a:t>performance </a:t>
+            </a:r>
+            <a:r>
+              <a:rPr lang="en-US" sz="1100" dirty="0" smtClean="0"/>
+              <a:t>code can be wrapped and used from python as a supporting library. </a:t>
             </a:r>
           </a:p>
           <a:p>
@@ -4364,15 +5082,63 @@
             <a:pPr lvl="1"/>
             <a:r>
               <a:rPr lang="en-US" sz="1100" dirty="0" smtClean="0"/>
-              <a:t>This gives users the best of both worlds - the ease of use of python, and the performance of </a:t>
-            </a:r>
-            <a:r>
-              <a:rPr lang="en-US" sz="1100" dirty="0" err="1" smtClean="0"/>
-              <a:t>optimised</a:t>
+              <a:t>This gives users the </a:t>
+            </a:r>
+            <a:r>
+              <a:rPr lang="en-US" sz="1100" b="1" dirty="0" smtClean="0"/>
+              <a:t>best of both worlds</a:t>
             </a:r>
             <a:r>
               <a:rPr lang="en-US" sz="1100" dirty="0" smtClean="0"/>
-              <a:t> low level code.</a:t>
+              <a:t> </a:t>
+            </a:r>
+            <a:endParaRPr lang="en-US" sz="1100" dirty="0" smtClean="0"/>
+          </a:p>
+          <a:p>
+            <a:pPr lvl="1"/>
+            <a:r>
+              <a:rPr lang="en-US" sz="1100" dirty="0" smtClean="0"/>
+              <a:t>	</a:t>
+            </a:r>
+            <a:r>
+              <a:rPr lang="en-US" sz="1100" b="1" dirty="0" smtClean="0"/>
+              <a:t>- </a:t>
+            </a:r>
+            <a:r>
+              <a:rPr lang="en-US" sz="1100" b="1" dirty="0" smtClean="0"/>
+              <a:t>the ease of use of python, </a:t>
+            </a:r>
+            <a:r>
+              <a:rPr lang="en-US" sz="1100" dirty="0" smtClean="0"/>
+              <a:t>and </a:t>
+            </a:r>
+            <a:endParaRPr lang="en-US" sz="1100" dirty="0" smtClean="0"/>
+          </a:p>
+          <a:p>
+            <a:pPr lvl="1"/>
+            <a:r>
+              <a:rPr lang="en-US" sz="1100" dirty="0" smtClean="0"/>
+              <a:t>	- </a:t>
+            </a:r>
+            <a:r>
+              <a:rPr lang="en-US" sz="1100" b="1" dirty="0" smtClean="0"/>
+              <a:t>the </a:t>
+            </a:r>
+            <a:r>
+              <a:rPr lang="en-US" sz="1100" b="1" dirty="0" smtClean="0"/>
+              <a:t>performance of </a:t>
+            </a:r>
+            <a:r>
+              <a:rPr lang="en-US" sz="1100" b="1" dirty="0" smtClean="0"/>
+              <a:t>optimized </a:t>
+            </a:r>
+            <a:r>
+              <a:rPr lang="en-US" sz="1100" b="1" dirty="0" smtClean="0"/>
+              <a:t>low level </a:t>
+            </a:r>
+            <a:r>
+              <a:rPr lang="en-US" sz="1100" b="1" dirty="0" smtClean="0"/>
+              <a:t>code</a:t>
             </a:r>
             <a:endParaRPr lang="en-CA" sz="1100" kern="1200" dirty="0">
               <a:solidFill>
@@ -4477,10 +5243,34 @@
                 <a:ea typeface="+mn-ea"/>
                 <a:cs typeface="+mn-cs"/>
               </a:rPr>
-              <a:t>The main reason experienced programmers should learn Python is for Data Science and Machine Learning applications. Python is a leading language of many data scientist. It has one of the best collection of machine learning and deep learning libraries such as </a:t>
-            </a:r>
-            <a:r>
-              <a:rPr lang="en-CA" sz="1200" kern="1200" dirty="0" err="1" smtClean="0">
+              <a:t>The main reason experienced programmers should learn Python is for Data Science and Machine Learning applications. </a:t>
+            </a:r>
+            <a:endParaRPr lang="en-CA" sz="1200" kern="1200" dirty="0" smtClean="0">
+              <a:solidFill>
+                <a:schemeClr val="tx1"/>
+              </a:solidFill>
+              <a:effectLst/>
+              <a:latin typeface="+mn-lt"/>
+              <a:ea typeface="+mn-ea"/>
+              <a:cs typeface="+mn-cs"/>
+            </a:endParaRPr>
+          </a:p>
+          <a:p>
+            <a:pPr lvl="1"/>
+            <a:endParaRPr lang="en-CA" sz="1200" kern="1200" dirty="0" smtClean="0">
+              <a:solidFill>
+                <a:schemeClr val="tx1"/>
+              </a:solidFill>
+              <a:effectLst/>
+              <a:latin typeface="+mn-lt"/>
+              <a:ea typeface="+mn-ea"/>
+              <a:cs typeface="+mn-cs"/>
+            </a:endParaRPr>
+          </a:p>
+          <a:p>
+            <a:pPr lvl="1"/>
+            <a:r>
+              <a:rPr lang="en-CA" sz="1200" kern="1200" dirty="0" smtClean="0">
                 <a:solidFill>
                   <a:schemeClr val="tx1"/>
                 </a:solidFill>
@@ -4489,7 +5279,166 @@
                 <a:ea typeface="+mn-ea"/>
                 <a:cs typeface="+mn-cs"/>
               </a:rPr>
-              <a:t>TensorFlow</a:t>
+              <a:t>Not </a:t>
+            </a:r>
+            <a:r>
+              <a:rPr lang="en-CA" sz="1200" kern="1200" dirty="0" smtClean="0">
+                <a:solidFill>
+                  <a:schemeClr val="tx1"/>
+                </a:solidFill>
+                <a:effectLst/>
+                <a:latin typeface="+mn-lt"/>
+                <a:ea typeface="+mn-ea"/>
+                <a:cs typeface="+mn-cs"/>
+              </a:rPr>
+              <a:t>too long ago R was considered best </a:t>
+            </a:r>
+            <a:endParaRPr lang="en-CA" sz="1200" kern="1200" dirty="0" smtClean="0">
+              <a:solidFill>
+                <a:schemeClr val="tx1"/>
+              </a:solidFill>
+              <a:effectLst/>
+              <a:latin typeface="+mn-lt"/>
+              <a:ea typeface="+mn-ea"/>
+              <a:cs typeface="+mn-cs"/>
+            </a:endParaRPr>
+          </a:p>
+          <a:p>
+            <a:pPr lvl="1"/>
+            <a:r>
+              <a:rPr lang="en-CA" sz="1200" kern="1200" dirty="0" smtClean="0">
+                <a:solidFill>
+                  <a:schemeClr val="tx1"/>
+                </a:solidFill>
+                <a:effectLst/>
+                <a:latin typeface="+mn-lt"/>
+                <a:ea typeface="+mn-ea"/>
+                <a:cs typeface="+mn-cs"/>
+              </a:rPr>
+              <a:t>but </a:t>
+            </a:r>
+          </a:p>
+          <a:p>
+            <a:pPr lvl="1"/>
+            <a:r>
+              <a:rPr lang="en-CA" sz="1200" kern="1200" dirty="0" smtClean="0">
+                <a:solidFill>
+                  <a:schemeClr val="tx1"/>
+                </a:solidFill>
+                <a:effectLst/>
+                <a:latin typeface="+mn-lt"/>
+                <a:ea typeface="+mn-ea"/>
+                <a:cs typeface="+mn-cs"/>
+              </a:rPr>
+              <a:t>Python </a:t>
+            </a:r>
+            <a:r>
+              <a:rPr lang="en-CA" sz="1200" b="1" kern="1200" dirty="0" smtClean="0">
+                <a:solidFill>
+                  <a:schemeClr val="tx1"/>
+                </a:solidFill>
+                <a:effectLst/>
+                <a:latin typeface="+mn-lt"/>
+                <a:ea typeface="+mn-ea"/>
+                <a:cs typeface="+mn-cs"/>
+              </a:rPr>
+              <a:t>became leading language </a:t>
+            </a:r>
+            <a:r>
+              <a:rPr lang="en-CA" sz="1200" kern="1200" dirty="0" smtClean="0">
+                <a:solidFill>
+                  <a:schemeClr val="tx1"/>
+                </a:solidFill>
+                <a:effectLst/>
+                <a:latin typeface="+mn-lt"/>
+                <a:ea typeface="+mn-ea"/>
+                <a:cs typeface="+mn-cs"/>
+              </a:rPr>
+              <a:t>because of </a:t>
+            </a:r>
+            <a:endParaRPr lang="en-CA" sz="1200" kern="1200" dirty="0" smtClean="0">
+              <a:solidFill>
+                <a:schemeClr val="tx1"/>
+              </a:solidFill>
+              <a:effectLst/>
+              <a:latin typeface="+mn-lt"/>
+              <a:ea typeface="+mn-ea"/>
+              <a:cs typeface="+mn-cs"/>
+            </a:endParaRPr>
+          </a:p>
+          <a:p>
+            <a:pPr lvl="1"/>
+            <a:r>
+              <a:rPr lang="en-CA" sz="1200" kern="1200" dirty="0" smtClean="0">
+                <a:solidFill>
+                  <a:schemeClr val="tx1"/>
+                </a:solidFill>
+                <a:effectLst/>
+                <a:latin typeface="+mn-lt"/>
+                <a:ea typeface="+mn-ea"/>
+                <a:cs typeface="+mn-cs"/>
+              </a:rPr>
+              <a:t>	- </a:t>
+            </a:r>
+            <a:r>
+              <a:rPr lang="en-CA" sz="1200" b="1" kern="1200" dirty="0" smtClean="0">
+                <a:solidFill>
+                  <a:schemeClr val="tx1"/>
+                </a:solidFill>
+                <a:effectLst/>
+                <a:latin typeface="+mn-lt"/>
+                <a:ea typeface="+mn-ea"/>
+                <a:cs typeface="+mn-cs"/>
+              </a:rPr>
+              <a:t>the </a:t>
+            </a:r>
+            <a:r>
+              <a:rPr lang="en-CA" sz="1200" b="1" kern="1200" dirty="0" smtClean="0">
+                <a:solidFill>
+                  <a:schemeClr val="tx1"/>
+                </a:solidFill>
+                <a:effectLst/>
+                <a:latin typeface="+mn-lt"/>
+                <a:ea typeface="+mn-ea"/>
+                <a:cs typeface="+mn-cs"/>
+              </a:rPr>
+              <a:t>diversity of its application </a:t>
+            </a:r>
+            <a:r>
+              <a:rPr lang="en-CA" sz="1200" kern="1200" dirty="0" smtClean="0">
+                <a:solidFill>
+                  <a:schemeClr val="tx1"/>
+                </a:solidFill>
+                <a:effectLst/>
+                <a:latin typeface="+mn-lt"/>
+                <a:ea typeface="+mn-ea"/>
+                <a:cs typeface="+mn-cs"/>
+              </a:rPr>
+              <a:t>such as </a:t>
+            </a:r>
+            <a:endParaRPr lang="en-CA" sz="1200" kern="1200" dirty="0" smtClean="0">
+              <a:solidFill>
+                <a:schemeClr val="tx1"/>
+              </a:solidFill>
+              <a:effectLst/>
+              <a:latin typeface="+mn-lt"/>
+              <a:ea typeface="+mn-ea"/>
+              <a:cs typeface="+mn-cs"/>
+            </a:endParaRPr>
+          </a:p>
+          <a:p>
+            <a:pPr lvl="1"/>
+            <a:r>
+              <a:rPr lang="en-CA" sz="1200" kern="1200" dirty="0" smtClean="0">
+                <a:solidFill>
+                  <a:schemeClr val="tx1"/>
+                </a:solidFill>
+                <a:effectLst/>
+                <a:latin typeface="+mn-lt"/>
+                <a:ea typeface="+mn-ea"/>
+                <a:cs typeface="+mn-cs"/>
+              </a:rPr>
+              <a:t>		automation</a:t>
             </a:r>
             <a:r>
               <a:rPr lang="en-CA" sz="1200" kern="1200" dirty="0" smtClean="0">
@@ -4503,18 +5452,18 @@
               </a:rPr>
               <a:t>, </a:t>
             </a:r>
-            <a:r>
-              <a:rPr lang="en-CA" sz="1200" kern="1200" dirty="0" err="1" smtClean="0">
-                <a:solidFill>
-                  <a:schemeClr val="tx1"/>
-                </a:solidFill>
-                <a:effectLst/>
-                <a:latin typeface="+mn-lt"/>
-                <a:ea typeface="+mn-ea"/>
-                <a:cs typeface="+mn-cs"/>
-              </a:rPr>
-              <a:t>Scikit</a:t>
-            </a:r>
+            <a:endParaRPr lang="en-CA" sz="1200" kern="1200" dirty="0" smtClean="0">
+              <a:solidFill>
+                <a:schemeClr val="tx1"/>
+              </a:solidFill>
+              <a:effectLst/>
+              <a:latin typeface="+mn-lt"/>
+              <a:ea typeface="+mn-ea"/>
+              <a:cs typeface="+mn-cs"/>
+            </a:endParaRPr>
+          </a:p>
+          <a:p>
+            <a:pPr lvl="1"/>
             <a:r>
               <a:rPr lang="en-CA" sz="1200" kern="1200" dirty="0" smtClean="0">
                 <a:solidFill>
@@ -4525,19 +5474,7 @@
                 <a:ea typeface="+mn-ea"/>
                 <a:cs typeface="+mn-cs"/>
               </a:rPr>
-              <a:t>-Learn, </a:t>
-            </a:r>
-            <a:r>
-              <a:rPr lang="en-CA" sz="1200" kern="1200" dirty="0" err="1" smtClean="0">
-                <a:solidFill>
-                  <a:schemeClr val="tx1"/>
-                </a:solidFill>
-                <a:effectLst/>
-                <a:latin typeface="+mn-lt"/>
-                <a:ea typeface="+mn-ea"/>
-                <a:cs typeface="+mn-cs"/>
-              </a:rPr>
-              <a:t>Keras</a:t>
+              <a:t>		data </a:t>
             </a:r>
             <a:r>
               <a:rPr lang="en-CA" sz="1200" kern="1200" dirty="0" smtClean="0">
@@ -4549,8 +5486,56 @@
                 <a:ea typeface="+mn-ea"/>
                 <a:cs typeface="+mn-cs"/>
               </a:rPr>
-              <a:t> and many more. </a:t>
-            </a:r>
+              <a:t>analytics, </a:t>
+            </a:r>
+            <a:endParaRPr lang="en-CA" sz="1200" kern="1200" dirty="0" smtClean="0">
+              <a:solidFill>
+                <a:schemeClr val="tx1"/>
+              </a:solidFill>
+              <a:effectLst/>
+              <a:latin typeface="+mn-lt"/>
+              <a:ea typeface="+mn-ea"/>
+              <a:cs typeface="+mn-cs"/>
+            </a:endParaRPr>
+          </a:p>
+          <a:p>
+            <a:pPr lvl="1"/>
+            <a:r>
+              <a:rPr lang="en-CA" sz="1200" kern="1200" dirty="0" smtClean="0">
+                <a:solidFill>
+                  <a:schemeClr val="tx1"/>
+                </a:solidFill>
+                <a:effectLst/>
+                <a:latin typeface="+mn-lt"/>
+                <a:ea typeface="+mn-ea"/>
+                <a:cs typeface="+mn-cs"/>
+              </a:rPr>
+              <a:t>		web </a:t>
+            </a:r>
+            <a:r>
+              <a:rPr lang="en-CA" sz="1200" kern="1200" dirty="0" smtClean="0">
+                <a:solidFill>
+                  <a:schemeClr val="tx1"/>
+                </a:solidFill>
+                <a:effectLst/>
+                <a:latin typeface="+mn-lt"/>
+                <a:ea typeface="+mn-ea"/>
+                <a:cs typeface="+mn-cs"/>
+              </a:rPr>
+              <a:t>development and much more.   </a:t>
+            </a:r>
+            <a:endParaRPr lang="en-CA" sz="1200" kern="1200" dirty="0" smtClean="0">
+              <a:solidFill>
+                <a:schemeClr val="tx1"/>
+              </a:solidFill>
+              <a:effectLst/>
+              <a:latin typeface="+mn-lt"/>
+              <a:ea typeface="+mn-ea"/>
+              <a:cs typeface="+mn-cs"/>
+            </a:endParaRPr>
+          </a:p>
+          <a:p>
+            <a:pPr lvl="1"/>
             <a:endParaRPr lang="en-CA" sz="1100" kern="1200" dirty="0" smtClean="0">
               <a:solidFill>
                 <a:schemeClr val="tx1"/>
@@ -4573,20 +5558,8 @@
                 <a:ea typeface="+mn-ea"/>
                 <a:cs typeface="+mn-cs"/>
               </a:rPr>
-              <a:t>Not too long ago R was considered best but Python became leading language because of the diversity of its application such as automation, data analytics, web development and much more.   </a:t>
-            </a:r>
-            <a:endParaRPr lang="en-CA" sz="1100" kern="1200" dirty="0" smtClean="0">
-              <a:solidFill>
-                <a:schemeClr val="tx1"/>
-              </a:solidFill>
-              <a:effectLst/>
-              <a:latin typeface="+mn-lt"/>
-              <a:ea typeface="+mn-ea"/>
-              <a:cs typeface="+mn-cs"/>
-            </a:endParaRPr>
-          </a:p>
-          <a:p>
-            <a:pPr lvl="1"/>
+              <a:t>Academic </a:t>
+            </a:r>
             <a:r>
               <a:rPr lang="en-CA" sz="1200" kern="1200" dirty="0" smtClean="0">
                 <a:solidFill>
@@ -4597,10 +5570,148 @@
                 <a:ea typeface="+mn-ea"/>
                 <a:cs typeface="+mn-cs"/>
               </a:rPr>
-              <a:t>Similarly, academic scholars and private researchers were using MATLAB language for scientific research for years but it all started to change with the release of Python numerical engines such as ‘</a:t>
-            </a:r>
-            <a:r>
-              <a:rPr lang="en-CA" sz="1200" kern="1200" dirty="0" err="1" smtClean="0">
+              <a:t>scholars and private </a:t>
+            </a:r>
+            <a:r>
+              <a:rPr lang="en-CA" sz="1200" kern="1200" dirty="0" smtClean="0">
+                <a:solidFill>
+                  <a:schemeClr val="tx1"/>
+                </a:solidFill>
+                <a:effectLst/>
+                <a:latin typeface="+mn-lt"/>
+                <a:ea typeface="+mn-ea"/>
+                <a:cs typeface="+mn-cs"/>
+              </a:rPr>
+              <a:t>researchers were using</a:t>
+            </a:r>
+          </a:p>
+          <a:p>
+            <a:pPr lvl="1"/>
+            <a:r>
+              <a:rPr lang="en-CA" sz="1200" kern="1200" dirty="0" smtClean="0">
+                <a:solidFill>
+                  <a:schemeClr val="tx1"/>
+                </a:solidFill>
+                <a:effectLst/>
+                <a:latin typeface="+mn-lt"/>
+                <a:ea typeface="+mn-ea"/>
+                <a:cs typeface="+mn-cs"/>
+              </a:rPr>
+              <a:t>	- </a:t>
+            </a:r>
+            <a:r>
+              <a:rPr lang="en-CA" sz="1200" b="1" kern="1200" dirty="0" smtClean="0">
+                <a:solidFill>
+                  <a:schemeClr val="tx1"/>
+                </a:solidFill>
+                <a:effectLst/>
+                <a:latin typeface="+mn-lt"/>
+                <a:ea typeface="+mn-ea"/>
+                <a:cs typeface="+mn-cs"/>
+              </a:rPr>
+              <a:t>MATLAB language for scientific research </a:t>
+            </a:r>
+            <a:endParaRPr lang="en-CA" sz="1200" b="1" kern="1200" dirty="0" smtClean="0">
+              <a:solidFill>
+                <a:schemeClr val="tx1"/>
+              </a:solidFill>
+              <a:effectLst/>
+              <a:latin typeface="+mn-lt"/>
+              <a:ea typeface="+mn-ea"/>
+              <a:cs typeface="+mn-cs"/>
+            </a:endParaRPr>
+          </a:p>
+          <a:p>
+            <a:pPr lvl="1"/>
+            <a:r>
+              <a:rPr lang="en-CA" sz="1200" kern="1200" dirty="0" smtClean="0">
+                <a:solidFill>
+                  <a:schemeClr val="tx1"/>
+                </a:solidFill>
+                <a:effectLst/>
+                <a:latin typeface="+mn-lt"/>
+                <a:ea typeface="+mn-ea"/>
+                <a:cs typeface="+mn-cs"/>
+              </a:rPr>
+              <a:t>but </a:t>
+            </a:r>
+          </a:p>
+          <a:p>
+            <a:pPr lvl="1"/>
+            <a:r>
+              <a:rPr lang="en-CA" sz="1200" kern="1200" dirty="0" smtClean="0">
+                <a:solidFill>
+                  <a:schemeClr val="tx1"/>
+                </a:solidFill>
+                <a:effectLst/>
+                <a:latin typeface="+mn-lt"/>
+                <a:ea typeface="+mn-ea"/>
+                <a:cs typeface="+mn-cs"/>
+              </a:rPr>
+              <a:t>it </a:t>
+            </a:r>
+            <a:r>
+              <a:rPr lang="en-CA" sz="1200" kern="1200" dirty="0" smtClean="0">
+                <a:solidFill>
+                  <a:schemeClr val="tx1"/>
+                </a:solidFill>
+                <a:effectLst/>
+                <a:latin typeface="+mn-lt"/>
+                <a:ea typeface="+mn-ea"/>
+                <a:cs typeface="+mn-cs"/>
+              </a:rPr>
+              <a:t>all started to change with the release of </a:t>
+            </a:r>
+            <a:endParaRPr lang="en-CA" sz="1200" kern="1200" dirty="0" smtClean="0">
+              <a:solidFill>
+                <a:schemeClr val="tx1"/>
+              </a:solidFill>
+              <a:effectLst/>
+              <a:latin typeface="+mn-lt"/>
+              <a:ea typeface="+mn-ea"/>
+              <a:cs typeface="+mn-cs"/>
+            </a:endParaRPr>
+          </a:p>
+          <a:p>
+            <a:pPr lvl="1"/>
+            <a:r>
+              <a:rPr lang="en-CA" sz="1200" kern="1200" dirty="0" smtClean="0">
+                <a:solidFill>
+                  <a:schemeClr val="tx1"/>
+                </a:solidFill>
+                <a:effectLst/>
+                <a:latin typeface="+mn-lt"/>
+                <a:ea typeface="+mn-ea"/>
+                <a:cs typeface="+mn-cs"/>
+              </a:rPr>
+              <a:t>	- </a:t>
+            </a:r>
+            <a:r>
+              <a:rPr lang="en-CA" sz="1200" b="1" kern="1200" dirty="0" smtClean="0">
+                <a:solidFill>
+                  <a:schemeClr val="tx1"/>
+                </a:solidFill>
+                <a:effectLst/>
+                <a:latin typeface="+mn-lt"/>
+                <a:ea typeface="+mn-ea"/>
+                <a:cs typeface="+mn-cs"/>
+              </a:rPr>
+              <a:t>Python </a:t>
+            </a:r>
+            <a:r>
+              <a:rPr lang="en-CA" sz="1200" b="1" kern="1200" dirty="0" smtClean="0">
+                <a:solidFill>
+                  <a:schemeClr val="tx1"/>
+                </a:solidFill>
+                <a:effectLst/>
+                <a:latin typeface="+mn-lt"/>
+                <a:ea typeface="+mn-ea"/>
+                <a:cs typeface="+mn-cs"/>
+              </a:rPr>
+              <a:t>numerical engines such as ‘</a:t>
+            </a:r>
+            <a:r>
+              <a:rPr lang="en-CA" sz="1200" b="1" kern="1200" dirty="0" err="1" smtClean="0">
                 <a:solidFill>
                   <a:schemeClr val="tx1"/>
                 </a:solidFill>
@@ -4612,6 +5723,42 @@
               <a:t>Numpy</a:t>
             </a:r>
             <a:r>
+              <a:rPr lang="en-CA" sz="1200" b="1" kern="1200" dirty="0" smtClean="0">
+                <a:solidFill>
+                  <a:schemeClr val="tx1"/>
+                </a:solidFill>
+                <a:effectLst/>
+                <a:latin typeface="+mn-lt"/>
+                <a:ea typeface="+mn-ea"/>
+                <a:cs typeface="+mn-cs"/>
+              </a:rPr>
+              <a:t>’ and ‘Pandas’.  </a:t>
+            </a:r>
+            <a:endParaRPr lang="en-CA" sz="1200" b="1" kern="1200" dirty="0" smtClean="0">
+              <a:solidFill>
+                <a:schemeClr val="tx1"/>
+              </a:solidFill>
+              <a:effectLst/>
+              <a:latin typeface="+mn-lt"/>
+              <a:ea typeface="+mn-ea"/>
+              <a:cs typeface="+mn-cs"/>
+            </a:endParaRPr>
+          </a:p>
+          <a:p>
+            <a:pPr lvl="1"/>
+            <a:endParaRPr lang="en-CA" sz="1200" b="1" kern="1200" dirty="0" smtClean="0">
+              <a:solidFill>
+                <a:schemeClr val="tx1"/>
+              </a:solidFill>
+              <a:effectLst/>
+              <a:latin typeface="+mn-lt"/>
+              <a:ea typeface="+mn-ea"/>
+              <a:cs typeface="+mn-cs"/>
+            </a:endParaRPr>
+          </a:p>
+          <a:p>
+            <a:pPr lvl="1"/>
+            <a:r>
               <a:rPr lang="en-CA" sz="1200" kern="1200" dirty="0" smtClean="0">
                 <a:solidFill>
                   <a:schemeClr val="tx1"/>
@@ -4621,7 +5768,175 @@
                 <a:ea typeface="+mn-ea"/>
                 <a:cs typeface="+mn-cs"/>
               </a:rPr>
-              <a:t>’ and ‘Pandas’.  Python also deals with tabular, matrix as well as statistical data and it even visualizes it with popular libraries such as </a:t>
+              <a:t>Python </a:t>
+            </a:r>
+            <a:r>
+              <a:rPr lang="en-CA" sz="1200" kern="1200" dirty="0" smtClean="0">
+                <a:solidFill>
+                  <a:schemeClr val="tx1"/>
+                </a:solidFill>
+                <a:effectLst/>
+                <a:latin typeface="+mn-lt"/>
+                <a:ea typeface="+mn-ea"/>
+                <a:cs typeface="+mn-cs"/>
+              </a:rPr>
+              <a:t>also deals with </a:t>
+            </a:r>
+            <a:endParaRPr lang="en-CA" sz="1200" kern="1200" dirty="0" smtClean="0">
+              <a:solidFill>
+                <a:schemeClr val="tx1"/>
+              </a:solidFill>
+              <a:effectLst/>
+              <a:latin typeface="+mn-lt"/>
+              <a:ea typeface="+mn-ea"/>
+              <a:cs typeface="+mn-cs"/>
+            </a:endParaRPr>
+          </a:p>
+          <a:p>
+            <a:pPr marL="628650" lvl="1" indent="-171450">
+              <a:buFontTx/>
+              <a:buChar char="-"/>
+            </a:pPr>
+            <a:r>
+              <a:rPr lang="en-CA" sz="1200" kern="1200" dirty="0" smtClean="0">
+                <a:solidFill>
+                  <a:schemeClr val="tx1"/>
+                </a:solidFill>
+                <a:effectLst/>
+                <a:latin typeface="+mn-lt"/>
+                <a:ea typeface="+mn-ea"/>
+                <a:cs typeface="+mn-cs"/>
+              </a:rPr>
+              <a:t>tabular</a:t>
+            </a:r>
+            <a:r>
+              <a:rPr lang="en-CA" sz="1200" kern="1200" dirty="0" smtClean="0">
+                <a:solidFill>
+                  <a:schemeClr val="tx1"/>
+                </a:solidFill>
+                <a:effectLst/>
+                <a:latin typeface="+mn-lt"/>
+                <a:ea typeface="+mn-ea"/>
+                <a:cs typeface="+mn-cs"/>
+              </a:rPr>
+              <a:t>, </a:t>
+            </a:r>
+            <a:endParaRPr lang="en-CA" sz="1200" kern="1200" dirty="0" smtClean="0">
+              <a:solidFill>
+                <a:schemeClr val="tx1"/>
+              </a:solidFill>
+              <a:effectLst/>
+              <a:latin typeface="+mn-lt"/>
+              <a:ea typeface="+mn-ea"/>
+              <a:cs typeface="+mn-cs"/>
+            </a:endParaRPr>
+          </a:p>
+          <a:p>
+            <a:pPr marL="628650" lvl="1" indent="-171450">
+              <a:buFontTx/>
+              <a:buChar char="-"/>
+            </a:pPr>
+            <a:r>
+              <a:rPr lang="en-CA" sz="1200" kern="1200" dirty="0" smtClean="0">
+                <a:solidFill>
+                  <a:schemeClr val="tx1"/>
+                </a:solidFill>
+                <a:effectLst/>
+                <a:latin typeface="+mn-lt"/>
+                <a:ea typeface="+mn-ea"/>
+                <a:cs typeface="+mn-cs"/>
+              </a:rPr>
+              <a:t>matrix </a:t>
+            </a:r>
+            <a:r>
+              <a:rPr lang="en-CA" sz="1200" kern="1200" dirty="0" smtClean="0">
+                <a:solidFill>
+                  <a:schemeClr val="tx1"/>
+                </a:solidFill>
+                <a:effectLst/>
+                <a:latin typeface="+mn-lt"/>
+                <a:ea typeface="+mn-ea"/>
+                <a:cs typeface="+mn-cs"/>
+              </a:rPr>
+              <a:t>as well as </a:t>
+            </a:r>
+            <a:endParaRPr lang="en-CA" sz="1200" kern="1200" dirty="0" smtClean="0">
+              <a:solidFill>
+                <a:schemeClr val="tx1"/>
+              </a:solidFill>
+              <a:effectLst/>
+              <a:latin typeface="+mn-lt"/>
+              <a:ea typeface="+mn-ea"/>
+              <a:cs typeface="+mn-cs"/>
+            </a:endParaRPr>
+          </a:p>
+          <a:p>
+            <a:pPr marL="628650" lvl="1" indent="-171450">
+              <a:buFontTx/>
+              <a:buChar char="-"/>
+            </a:pPr>
+            <a:r>
+              <a:rPr lang="en-CA" sz="1200" kern="1200" dirty="0" smtClean="0">
+                <a:solidFill>
+                  <a:schemeClr val="tx1"/>
+                </a:solidFill>
+                <a:effectLst/>
+                <a:latin typeface="+mn-lt"/>
+                <a:ea typeface="+mn-ea"/>
+                <a:cs typeface="+mn-cs"/>
+              </a:rPr>
+              <a:t>statistical </a:t>
+            </a:r>
+            <a:r>
+              <a:rPr lang="en-CA" sz="1200" kern="1200" dirty="0" smtClean="0">
+                <a:solidFill>
+                  <a:schemeClr val="tx1"/>
+                </a:solidFill>
+                <a:effectLst/>
+                <a:latin typeface="+mn-lt"/>
+                <a:ea typeface="+mn-ea"/>
+                <a:cs typeface="+mn-cs"/>
+              </a:rPr>
+              <a:t>data and </a:t>
+            </a:r>
+            <a:endParaRPr lang="en-CA" sz="1200" kern="1200" dirty="0" smtClean="0">
+              <a:solidFill>
+                <a:schemeClr val="tx1"/>
+              </a:solidFill>
+              <a:effectLst/>
+              <a:latin typeface="+mn-lt"/>
+              <a:ea typeface="+mn-ea"/>
+              <a:cs typeface="+mn-cs"/>
+            </a:endParaRPr>
+          </a:p>
+          <a:p>
+            <a:pPr marL="628650" lvl="1" indent="-171450">
+              <a:buFontTx/>
+              <a:buChar char="-"/>
+            </a:pPr>
+            <a:r>
+              <a:rPr lang="en-CA" sz="1200" kern="1200" dirty="0" smtClean="0">
+                <a:solidFill>
+                  <a:schemeClr val="tx1"/>
+                </a:solidFill>
+                <a:effectLst/>
+                <a:latin typeface="+mn-lt"/>
+                <a:ea typeface="+mn-ea"/>
+                <a:cs typeface="+mn-cs"/>
+              </a:rPr>
+              <a:t>it </a:t>
+            </a:r>
+            <a:r>
+              <a:rPr lang="en-CA" sz="1200" kern="1200" dirty="0" smtClean="0">
+                <a:solidFill>
+                  <a:schemeClr val="tx1"/>
+                </a:solidFill>
+                <a:effectLst/>
+                <a:latin typeface="+mn-lt"/>
+                <a:ea typeface="+mn-ea"/>
+                <a:cs typeface="+mn-cs"/>
+              </a:rPr>
+              <a:t>even visualizes it with popular libraries such as </a:t>
             </a:r>
             <a:r>
               <a:rPr lang="en-CA" sz="1200" kern="1200" dirty="0" err="1" smtClean="0">
@@ -4853,7 +6168,7 @@
           <a:p>
             <a:fld id="{8CDEB083-0AFC-4A4E-B7A3-BB7D39BE0AF2}" type="datetime1">
               <a:rPr lang="en-CA" smtClean="0"/>
-              <a:t>2019-06-20</a:t>
+              <a:t>2019-06-25</a:t>
             </a:fld>
             <a:endParaRPr lang="en-CA"/>
           </a:p>
@@ -5023,7 +6338,7 @@
           <a:p>
             <a:fld id="{E11DC358-B334-491A-9084-50E10C2F7A46}" type="datetime1">
               <a:rPr lang="en-CA" smtClean="0"/>
-              <a:t>2019-06-20</a:t>
+              <a:t>2019-06-25</a:t>
             </a:fld>
             <a:endParaRPr lang="en-CA"/>
           </a:p>
@@ -5203,7 +6518,7 @@
           <a:p>
             <a:fld id="{3EBE5819-DC4A-420B-B23B-EDE7A784A6D8}" type="datetime1">
               <a:rPr lang="en-CA" smtClean="0"/>
-              <a:t>2019-06-20</a:t>
+              <a:t>2019-06-25</a:t>
             </a:fld>
             <a:endParaRPr lang="en-CA"/>
           </a:p>
@@ -5373,7 +6688,7 @@
           <a:p>
             <a:fld id="{04A32264-E957-46E8-908F-A310F0296C75}" type="datetime1">
               <a:rPr lang="en-CA" smtClean="0"/>
-              <a:t>2019-06-20</a:t>
+              <a:t>2019-06-25</a:t>
             </a:fld>
             <a:endParaRPr lang="en-CA"/>
           </a:p>
@@ -5619,7 +6934,7 @@
           <a:p>
             <a:fld id="{C99976C1-0385-4300-B5CA-E987B0BF0A87}" type="datetime1">
               <a:rPr lang="en-CA" smtClean="0"/>
-              <a:t>2019-06-20</a:t>
+              <a:t>2019-06-25</a:t>
             </a:fld>
             <a:endParaRPr lang="en-CA"/>
           </a:p>
@@ -5851,7 +7166,7 @@
           <a:p>
             <a:fld id="{DF0CF665-5D40-431B-A406-9129515E916C}" type="datetime1">
               <a:rPr lang="en-CA" smtClean="0"/>
-              <a:t>2019-06-20</a:t>
+              <a:t>2019-06-25</a:t>
             </a:fld>
             <a:endParaRPr lang="en-CA"/>
           </a:p>
@@ -6218,7 +7533,7 @@
           <a:p>
             <a:fld id="{DDE79FFD-B498-44E7-A26E-0404771FDD13}" type="datetime1">
               <a:rPr lang="en-CA" smtClean="0"/>
-              <a:t>2019-06-20</a:t>
+              <a:t>2019-06-25</a:t>
             </a:fld>
             <a:endParaRPr lang="en-CA"/>
           </a:p>
@@ -6336,7 +7651,7 @@
           <a:p>
             <a:fld id="{580A16E3-DB72-4C18-AAE7-DB9E464B2101}" type="datetime1">
               <a:rPr lang="en-CA" smtClean="0"/>
-              <a:t>2019-06-20</a:t>
+              <a:t>2019-06-25</a:t>
             </a:fld>
             <a:endParaRPr lang="en-CA"/>
           </a:p>
@@ -6431,7 +7746,7 @@
           <a:p>
             <a:fld id="{39CA7DE4-811B-4F96-92ED-17E16C5011FE}" type="datetime1">
               <a:rPr lang="en-CA" smtClean="0"/>
-              <a:t>2019-06-20</a:t>
+              <a:t>2019-06-25</a:t>
             </a:fld>
             <a:endParaRPr lang="en-CA"/>
           </a:p>
@@ -6708,7 +8023,7 @@
           <a:p>
             <a:fld id="{67C42D85-2F6D-4663-B181-00BE1744DDEB}" type="datetime1">
               <a:rPr lang="en-CA" smtClean="0"/>
-              <a:t>2019-06-20</a:t>
+              <a:t>2019-06-25</a:t>
             </a:fld>
             <a:endParaRPr lang="en-CA"/>
           </a:p>
@@ -6961,7 +8276,7 @@
           <a:p>
             <a:fld id="{B5BA856D-2324-4865-B326-B01F2BA2CF54}" type="datetime1">
               <a:rPr lang="en-CA" smtClean="0"/>
-              <a:t>2019-06-20</a:t>
+              <a:t>2019-06-25</a:t>
             </a:fld>
             <a:endParaRPr lang="en-CA"/>
           </a:p>
@@ -7174,7 +8489,7 @@
           <a:p>
             <a:fld id="{FE523D3A-224D-4094-A666-7B07A136E3F3}" type="datetime1">
               <a:rPr lang="en-CA" smtClean="0"/>
-              <a:t>2019-06-20</a:t>
+              <a:t>2019-06-25</a:t>
             </a:fld>
             <a:endParaRPr lang="en-CA"/>
           </a:p>
@@ -7649,7 +8964,11 @@
             <a:pPr algn="l"/>
             <a:r>
               <a:rPr lang="en-US" dirty="0" smtClean="0"/>
-              <a:t>Workshop Website : https://tdmdal.github.io/XXXX</a:t>
+              <a:t>Workshop Website : https://</a:t>
+            </a:r>
+            <a:r>
+              <a:rPr lang="en-US" dirty="0"/>
+              <a:t>tdmdal.github.io/python-workshop</a:t>
             </a:r>
             <a:endParaRPr lang="en-CA" dirty="0"/>
           </a:p>
@@ -8229,11 +9548,7 @@
             </a:r>
             <a:r>
               <a:rPr lang="en-US" sz="2700" dirty="0" smtClean="0"/>
-              <a:t>rovides common natural language </a:t>
-            </a:r>
-            <a:r>
-              <a:rPr lang="en-US" sz="2700" dirty="0" smtClean="0"/>
-              <a:t>functions</a:t>
+              <a:t>rovides common natural language functions</a:t>
             </a:r>
           </a:p>
           <a:p>
@@ -8254,11 +9569,7 @@
             <a:pPr lvl="1"/>
             <a:r>
               <a:rPr lang="en-US" sz="2700" dirty="0" smtClean="0"/>
-              <a:t>modern </a:t>
-            </a:r>
-            <a:r>
-              <a:rPr lang="en-US" sz="2700" dirty="0" smtClean="0"/>
-              <a:t>library that invested </a:t>
+              <a:t>modern library that invested </a:t>
             </a:r>
             <a:r>
               <a:rPr lang="en-US" sz="2700" dirty="0"/>
@@ -8281,19 +9592,13 @@
               <a:rPr lang="en-US" sz="2900" b="1" dirty="0" smtClean="0"/>
               <a:t> </a:t>
             </a:r>
-            <a:endParaRPr lang="en-US" sz="2900" b="1" dirty="0" smtClean="0"/>
           </a:p>
           <a:p>
             <a:pPr lvl="1"/>
             <a:r>
               <a:rPr lang="en-US" sz="2700" dirty="0" smtClean="0"/>
-              <a:t>leading </a:t>
-            </a:r>
-            <a:r>
-              <a:rPr lang="en-US" sz="2700" dirty="0" smtClean="0"/>
-              <a:t>state-of-the-art package for processing text and working with word vector models, a notable advancement in NLP </a:t>
-            </a:r>
-            <a:endParaRPr lang="en-US" sz="2700" dirty="0" smtClean="0"/>
+              <a:t>leading state-of-the-art package for processing text and working with word vector models, a notable advancement in NLP </a:t>
+            </a:r>
           </a:p>
         </p:txBody>
       </p:sp>
@@ -8752,13 +10057,7 @@
               <a:rPr lang="en-US" b="0" dirty="0" smtClean="0">
                 <a:effectLst/>
               </a:rPr>
-              <a:t>Python is one of the most popular language for web </a:t>
-            </a:r>
-            <a:r>
-              <a:rPr lang="en-US" b="0" dirty="0" smtClean="0">
-                <a:effectLst/>
-              </a:rPr>
-              <a:t>scraping</a:t>
+              <a:t>Python is one of the most popular language for web scraping</a:t>
             </a:r>
           </a:p>
           <a:p>
@@ -8774,17 +10073,8 @@
             </a:r>
             <a:r>
               <a:rPr lang="en-US" dirty="0" smtClean="0"/>
-              <a:t>ython </a:t>
-            </a:r>
-            <a:r>
-              <a:rPr lang="en-US" dirty="0" smtClean="0"/>
-              <a:t>libraries for web-scrapping </a:t>
-            </a:r>
-            <a:r>
-              <a:rPr lang="en-US" dirty="0" smtClean="0"/>
-              <a:t>to get started:</a:t>
-            </a:r>
-            <a:endParaRPr lang="en-US" dirty="0" smtClean="0"/>
+              <a:t>ython libraries for web-scrapping to get started:</a:t>
+            </a:r>
           </a:p>
           <a:p>
             <a:pPr lvl="1">
@@ -8794,15 +10084,7 @@
             </a:pPr>
             <a:r>
               <a:rPr lang="en-US" dirty="0" smtClean="0"/>
-              <a:t>To make </a:t>
-            </a:r>
-            <a:r>
-              <a:rPr lang="en-US" dirty="0" smtClean="0"/>
-              <a:t>web requests </a:t>
-            </a:r>
-            <a:r>
-              <a:rPr lang="en-US" dirty="0" smtClean="0"/>
-              <a:t>- </a:t>
+              <a:t>To make web requests - </a:t>
             </a:r>
             <a:r>
               <a:rPr lang="en-US" b="0" dirty="0" smtClean="0">
@@ -8823,13 +10105,7 @@
               <a:rPr lang="en-US" b="0" dirty="0" smtClean="0">
                 <a:effectLst/>
               </a:rPr>
-              <a:t>rocess </a:t>
-            </a:r>
-            <a:r>
-              <a:rPr lang="en-US" b="0" dirty="0" smtClean="0">
-                <a:effectLst/>
-              </a:rPr>
-              <a:t>HTML </a:t>
+              <a:t>rocess HTML </a:t>
             </a:r>
             <a:r>
               <a:rPr lang="en-US" dirty="0" smtClean="0"/>
@@ -8875,15 +10151,7 @@
             <a:pPr lvl="1"/>
             <a:r>
               <a:rPr lang="en-US" dirty="0" smtClean="0"/>
-              <a:t>Other libraries </a:t>
-            </a:r>
-            <a:r>
-              <a:rPr lang="en-US" dirty="0" smtClean="0"/>
-              <a:t>- </a:t>
-            </a:r>
-            <a:r>
-              <a:rPr lang="en-US" dirty="0" smtClean="0"/>
-              <a:t> </a:t>
+              <a:t>Other libraries -  </a:t>
             </a:r>
             <a:r>
               <a:rPr lang="en-US" dirty="0" err="1" smtClean="0">
@@ -9360,12 +10628,13 @@
             <a:pPr lvl="1"/>
             <a:r>
               <a:rPr lang="en-US" sz="2600" dirty="0"/>
-              <a:t>Scripting &amp; Automation</a:t>
+              <a:t>Scripting &amp; </a:t>
             </a:r>
             <a:r>
               <a:rPr lang="en-US" sz="2600" dirty="0" smtClean="0"/>
-              <a:t>*</a:t>
-            </a:r>
+              <a:t>Automation</a:t>
+            </a:r>
+            <a:endParaRPr lang="en-US" sz="2600" dirty="0" smtClean="0"/>
           </a:p>
           <a:p>
             <a:pPr lvl="1"/>
@@ -9462,6 +10731,39 @@
           </a:prstGeom>
         </p:spPr>
       </p:pic>
+      <p:cxnSp>
+        <p:nvCxnSpPr>
+          <p:cNvPr id="7" name="Straight Arrow Connector 6"/>
+          <p:cNvCxnSpPr/>
+          <p:nvPr/>
+        </p:nvCxnSpPr>
+        <p:spPr>
+          <a:xfrm flipV="1">
+            <a:off x="4811697" y="3351859"/>
+            <a:ext cx="1961965" cy="8878"/>
+          </a:xfrm>
+          <a:prstGeom prst="straightConnector1">
+            <a:avLst/>
+          </a:prstGeom>
+          <a:ln>
+            <a:tailEnd type="triangle"/>
+          </a:ln>
+        </p:spPr>
+        <p:style>
+          <a:lnRef idx="1">
+            <a:schemeClr val="accent2"/>
+          </a:lnRef>
+          <a:fillRef idx="0">
+            <a:schemeClr val="accent2"/>
+          </a:fillRef>
+          <a:effectRef idx="0">
+            <a:schemeClr val="accent2"/>
+          </a:effectRef>
+          <a:fontRef idx="minor">
+            <a:schemeClr val="tx1"/>
+          </a:fontRef>
+        </p:style>
+      </p:cxnSp>
     </p:spTree>
     <p:extLst>
       <p:ext uri="{BB962C8B-B14F-4D97-AF65-F5344CB8AC3E}">
@@ -9650,13 +10952,8 @@
             <a:pPr lvl="2"/>
             <a:r>
               <a:rPr lang="en-US" sz="2600" dirty="0" smtClean="0"/>
-              <a:t>Type - S</a:t>
-            </a:r>
-            <a:r>
-              <a:rPr lang="en-US" sz="2600" dirty="0" smtClean="0"/>
-              <a:t>tring</a:t>
-            </a:r>
-            <a:endParaRPr lang="en-US" sz="2600" dirty="0" smtClean="0"/>
+              <a:t>Type - String</a:t>
+            </a:r>
           </a:p>
           <a:p>
             <a:pPr lvl="2"/>
@@ -9731,7 +11028,6 @@
               <a:rPr lang="en-US" sz="2600" dirty="0" smtClean="0"/>
               <a:t>Arithmetic</a:t>
             </a:r>
-            <a:endParaRPr lang="en-US" sz="2600" dirty="0" smtClean="0"/>
           </a:p>
           <a:p>
             <a:pPr marL="457200" lvl="1" indent="0">
@@ -9760,7 +11056,6 @@
               <a:rPr lang="en-US" sz="2600" dirty="0" smtClean="0"/>
               <a:t>Conditionals</a:t>
             </a:r>
-            <a:endParaRPr lang="en-US" sz="2600" dirty="0" smtClean="0"/>
           </a:p>
         </p:txBody>
       </p:sp>
@@ -10382,23 +11677,17 @@
           <a:p>
             <a:r>
               <a:rPr lang="en-US" dirty="0" smtClean="0"/>
-              <a:t>Functions that are attached to specific class of objects are called methods and </a:t>
-            </a:r>
-            <a:r>
-              <a:rPr lang="en-US" dirty="0" smtClean="0"/>
-              <a:t>are accessed using the dot expression</a:t>
-            </a:r>
+              <a:t>Functions that are attached to specific class of objects are called methods and are accessed using the dot expression</a:t>
+            </a:r>
+          </a:p>
+          <a:p>
             <a:endParaRPr lang="en-US" dirty="0" smtClean="0"/>
           </a:p>
           <a:p>
-            <a:endParaRPr lang="en-US" dirty="0" smtClean="0"/>
-          </a:p>
-          <a:p>
             <a:r>
               <a:rPr lang="en-US" dirty="0" smtClean="0"/>
               <a:t>Python has </a:t>
             </a:r>
-            <a:endParaRPr lang="en-US" dirty="0" smtClean="0"/>
           </a:p>
           <a:p>
             <a:pPr lvl="1"/>
@@ -10411,23 +11700,14 @@
             <a:pPr lvl="1"/>
             <a:r>
               <a:rPr lang="en-US" dirty="0" smtClean="0"/>
-              <a:t>Third party </a:t>
-            </a:r>
-            <a:r>
-              <a:rPr lang="en-US" dirty="0" smtClean="0"/>
-              <a:t>functions and</a:t>
-            </a:r>
-            <a:endParaRPr lang="en-US" dirty="0" smtClean="0"/>
+              <a:t>Third party functions and</a:t>
+            </a:r>
           </a:p>
           <a:p>
             <a:pPr lvl="1"/>
             <a:r>
               <a:rPr lang="en-US" dirty="0" smtClean="0"/>
-              <a:t>You can create your own </a:t>
-            </a:r>
-            <a:r>
-              <a:rPr lang="en-US" dirty="0" smtClean="0"/>
-              <a:t>functions</a:t>
+              <a:t>You can create your own functions</a:t>
             </a:r>
           </a:p>
         </p:txBody>
@@ -10568,7 +11848,7 @@
         <p:spPr>
           <a:xfrm>
             <a:off x="838200" y="1690688"/>
-            <a:ext cx="5542347" cy="4216539"/>
+            <a:ext cx="5542347" cy="4093428"/>
           </a:xfrm>
           <a:prstGeom prst="rect">
             <a:avLst/>
@@ -10586,20 +11866,20 @@
               <a:buChar char="•"/>
             </a:pPr>
             <a:r>
-              <a:rPr lang="en-US" sz="2800" dirty="0" smtClean="0"/>
+              <a:rPr lang="en-US" sz="2600" dirty="0" smtClean="0"/>
               <a:t>In 2018, Python became the biggest gainer in the </a:t>
             </a:r>
             <a:r>
-              <a:rPr lang="en-US" sz="2800" dirty="0" err="1" smtClean="0"/>
+              <a:rPr lang="en-US" sz="2600" dirty="0" err="1" smtClean="0"/>
               <a:t>Tiobe</a:t>
             </a:r>
             <a:r>
-              <a:rPr lang="en-US" sz="2800" dirty="0" smtClean="0"/>
+              <a:rPr lang="en-US" sz="2600" dirty="0" smtClean="0"/>
               <a:t> index of language popularity</a:t>
             </a:r>
           </a:p>
           <a:p>
-            <a:endParaRPr lang="en-US" sz="2800" dirty="0"/>
+            <a:endParaRPr lang="en-US" sz="2600" dirty="0"/>
           </a:p>
           <a:p>
             <a:pPr marL="285750" indent="-285750">
@@ -10607,23 +11887,23 @@
               <a:buChar char="•"/>
             </a:pPr>
             <a:r>
-              <a:rPr lang="en-CA" sz="2600" dirty="0" smtClean="0"/>
+              <a:rPr lang="en-CA" sz="2600" b="1" dirty="0" smtClean="0"/>
               <a:t>In </a:t>
             </a:r>
             <a:r>
-              <a:rPr lang="en-CA" sz="2600" dirty="0"/>
+              <a:rPr lang="en-CA" sz="2600" b="1" dirty="0"/>
               <a:t>June 2017, </a:t>
             </a:r>
             <a:r>
-              <a:rPr lang="en-CA" sz="2600" dirty="0" smtClean="0"/>
+              <a:rPr lang="en-CA" sz="2600" b="1" dirty="0" smtClean="0"/>
               <a:t>Python </a:t>
             </a:r>
             <a:r>
-              <a:rPr lang="en-CA" sz="2600" dirty="0"/>
+              <a:rPr lang="en-CA" sz="2600" b="1" dirty="0"/>
               <a:t>became the most visited tag on Stack </a:t>
             </a:r>
             <a:r>
-              <a:rPr lang="en-CA" sz="2600" dirty="0" smtClean="0"/>
+              <a:rPr lang="en-CA" sz="2600" b="1" dirty="0" smtClean="0"/>
               <a:t>Overflow </a:t>
             </a:r>
           </a:p>
@@ -11033,11 +12313,7 @@
             <a:pPr lvl="1"/>
             <a:r>
               <a:rPr lang="en-US" sz="2600" dirty="0" smtClean="0"/>
-              <a:t>[ : ] </a:t>
-            </a:r>
-            <a:r>
-              <a:rPr lang="en-US" sz="2600" dirty="0" smtClean="0"/>
-              <a:t>operator</a:t>
+              <a:t>[ : ] operator</a:t>
             </a:r>
           </a:p>
           <a:p>
@@ -12368,11 +13644,7 @@
             </a:r>
             <a:r>
               <a:rPr lang="en-US" dirty="0" smtClean="0"/>
-              <a:t>ontains </a:t>
-            </a:r>
-            <a:r>
-              <a:rPr lang="en-US" dirty="0" smtClean="0"/>
-              <a:t>only values</a:t>
+              <a:t>ontains only values</a:t>
             </a:r>
           </a:p>
           <a:p>
@@ -12446,7 +13718,7 @@
         <p:spPr>
           <a:xfrm>
             <a:off x="838200" y="3483096"/>
-            <a:ext cx="10434747" cy="1846659"/>
+            <a:ext cx="10434747" cy="2585323"/>
           </a:xfrm>
           <a:prstGeom prst="rect">
             <a:avLst/>
@@ -12494,31 +13766,44 @@
             </a:pPr>
             <a:r>
               <a:rPr lang="en-US" sz="2400" dirty="0" smtClean="0"/>
-              <a:t>Because keys </a:t>
+              <a:t>Look-ups are </a:t>
             </a:r>
             <a:r>
               <a:rPr lang="en-US" sz="2400" dirty="0"/>
-              <a:t>and values </a:t>
+              <a:t>f</a:t>
             </a:r>
             <a:r>
               <a:rPr lang="en-US" sz="2400" dirty="0" smtClean="0"/>
-              <a:t>linked </a:t>
-            </a:r>
-            <a:r>
-              <a:rPr lang="en-US" sz="2400" dirty="0"/>
-              <a:t>to each other, the performance will be better than lists </a:t>
-            </a:r>
+              <a:t>aster in dictionary vs list</a:t>
+            </a:r>
+          </a:p>
+          <a:p>
+            <a:pPr marL="285750" indent="-285750">
+              <a:buFontTx/>
+              <a:buChar char="-"/>
+            </a:pPr>
+            <a:endParaRPr lang="en-US" sz="2400" dirty="0" smtClean="0"/>
+          </a:p>
+          <a:p>
+            <a:pPr marL="285750" indent="-285750">
+              <a:buFontTx/>
+              <a:buChar char="-"/>
+            </a:pPr>
             <a:r>
               <a:rPr lang="en-US" sz="2400" dirty="0" smtClean="0"/>
-              <a:t>when </a:t>
-            </a:r>
-            <a:r>
-              <a:rPr lang="en-US" sz="2400" dirty="0"/>
-              <a:t>checking membership of an </a:t>
+              <a:t>Dictionaries are implemented using </a:t>
+            </a:r>
+            <a:r>
+              <a:rPr lang="en-US" sz="2400" b="1" dirty="0"/>
+              <a:t>hash </a:t>
+            </a:r>
+            <a:r>
+              <a:rPr lang="en-US" sz="2400" b="1" dirty="0" smtClean="0"/>
+              <a:t>tables </a:t>
             </a:r>
             <a:r>
               <a:rPr lang="en-US" sz="2400" dirty="0" smtClean="0"/>
-              <a:t>element</a:t>
+              <a:t>and are highly optimized for mapping</a:t>
             </a:r>
             <a:endParaRPr lang="en-US" sz="2400" dirty="0"/>
           </a:p>
@@ -12650,19 +13935,11 @@
             <a:pPr lvl="1"/>
             <a:r>
               <a:rPr lang="en-US" dirty="0" smtClean="0"/>
-              <a:t>List </a:t>
-            </a:r>
-            <a:r>
-              <a:rPr lang="en-US" dirty="0" smtClean="0"/>
-              <a:t>vs </a:t>
+              <a:t>List vs </a:t>
             </a:r>
             <a:r>
               <a:rPr lang="en-US" dirty="0" err="1" smtClean="0"/>
-              <a:t>ndarra</a:t>
-            </a:r>
-            <a:r>
-              <a:rPr lang="en-US" dirty="0" err="1" smtClean="0"/>
-              <a:t>y</a:t>
+              <a:t>ndarray</a:t>
             </a:r>
             <a:endParaRPr lang="en-US" dirty="0" smtClean="0"/>
           </a:p>
@@ -12808,13 +14085,8 @@
             </a:r>
             <a:r>
               <a:rPr lang="en-US" dirty="0" smtClean="0"/>
-              <a:t> comes in</a:t>
-            </a:r>
-            <a:r>
-              <a:rPr lang="en-US" dirty="0" smtClean="0"/>
-              <a:t>:</a:t>
-            </a:r>
-            <a:endParaRPr lang="en-US" dirty="0" smtClean="0"/>
+              <a:t> comes in:</a:t>
+            </a:r>
           </a:p>
           <a:p>
             <a:pPr lvl="1"/>
@@ -12829,7 +14101,6 @@
               <a:rPr lang="en-US" dirty="0" smtClean="0"/>
               <a:t>Core of Python’s scientific computing</a:t>
             </a:r>
-            <a:endParaRPr lang="en-US" dirty="0" smtClean="0"/>
           </a:p>
           <a:p>
             <a:pPr lvl="1"/>
@@ -12864,7 +14135,6 @@
               <a:rPr lang="en-US" dirty="0" smtClean="0"/>
               <a:t> takes up less space and are faster in performance</a:t>
             </a:r>
-            <a:endParaRPr lang="en-US" dirty="0" smtClean="0"/>
           </a:p>
           <a:p>
             <a:pPr lvl="1"/>
@@ -12878,15 +14148,7 @@
             </a:r>
             <a:r>
               <a:rPr lang="en-US" dirty="0" smtClean="0"/>
-              <a:t>ptimized implementations of </a:t>
-            </a:r>
-            <a:r>
-              <a:rPr lang="en-US" dirty="0" smtClean="0"/>
-              <a:t>arrays such </a:t>
-            </a:r>
-            <a:r>
-              <a:rPr lang="en-US" dirty="0" smtClean="0"/>
-              <a:t>as </a:t>
+              <a:t>ptimized implementations of arrays such as </a:t>
             </a:r>
             <a:r>
               <a:rPr lang="en-US" dirty="0" err="1" smtClean="0"/>
@@ -13092,7 +14354,6 @@
               <a:rPr lang="en-US" sz="2600" dirty="0" smtClean="0"/>
               <a:t>erformance can lag</a:t>
             </a:r>
-            <a:endParaRPr lang="en-US" sz="2600" dirty="0" smtClean="0"/>
           </a:p>
           <a:p>
             <a:pPr lvl="1"/>
@@ -13120,11 +14381,7 @@
             </a:pPr>
             <a:r>
               <a:rPr lang="en-US" b="1" dirty="0" err="1" smtClean="0"/>
-              <a:t>nda</a:t>
-            </a:r>
-            <a:r>
-              <a:rPr lang="en-US" b="1" dirty="0" err="1" smtClean="0"/>
-              <a:t>rray</a:t>
+              <a:t>ndarray</a:t>
             </a:r>
             <a:endParaRPr lang="en-US" b="1" dirty="0" smtClean="0"/>
           </a:p>
@@ -13153,15 +14410,7 @@
             <a:pPr lvl="1"/>
             <a:r>
               <a:rPr lang="en-US" sz="2600" dirty="0" smtClean="0"/>
-              <a:t>does </a:t>
-            </a:r>
-            <a:r>
-              <a:rPr lang="en-US" sz="2600" dirty="0" smtClean="0"/>
-              <a:t>not allow removing or adding </a:t>
-            </a:r>
-            <a:r>
-              <a:rPr lang="en-US" sz="2600" dirty="0" smtClean="0"/>
-              <a:t>items</a:t>
+              <a:t>does not allow removing or adding items</a:t>
             </a:r>
           </a:p>
           <a:p>
@@ -13189,7 +14438,6 @@
               <a:rPr lang="en-US" sz="2600" dirty="0" smtClean="0"/>
               <a:t>Performance is usually faster</a:t>
             </a:r>
-            <a:endParaRPr lang="en-US" sz="2600" dirty="0" smtClean="0"/>
           </a:p>
           <a:p>
             <a:pPr lvl="1"/>
@@ -13328,11 +14576,7 @@
           <a:p>
             <a:r>
               <a:rPr lang="en-US" sz="3000" dirty="0" smtClean="0"/>
-              <a:t>Machine </a:t>
-            </a:r>
-            <a:r>
-              <a:rPr lang="en-US" sz="3000" dirty="0" smtClean="0"/>
-              <a:t>learning</a:t>
+              <a:t>Machine learning</a:t>
             </a:r>
           </a:p>
           <a:p>
@@ -13975,19 +15219,7 @@
           <a:p>
             <a:r>
               <a:rPr lang="en-US" dirty="0" smtClean="0"/>
-              <a:t>Most widely used python </a:t>
-            </a:r>
-            <a:r>
-              <a:rPr lang="en-US" dirty="0" smtClean="0"/>
-              <a:t>library </a:t>
-            </a:r>
-            <a:r>
-              <a:rPr lang="en-US" dirty="0" smtClean="0"/>
-              <a:t>in data </a:t>
-            </a:r>
-            <a:r>
-              <a:rPr lang="en-US" dirty="0" smtClean="0"/>
-              <a:t>science</a:t>
+              <a:t>Most widely used python library in data science</a:t>
             </a:r>
           </a:p>
           <a:p>
@@ -14560,11 +15792,7 @@
             </a:pPr>
             <a:r>
               <a:rPr lang="en-US" dirty="0" smtClean="0"/>
-              <a:t>Interpreted </a:t>
-            </a:r>
-            <a:r>
-              <a:rPr lang="en-US" dirty="0" smtClean="0"/>
-              <a:t>language</a:t>
+              <a:t>Interpreted language</a:t>
             </a:r>
           </a:p>
           <a:p>
@@ -14640,7 +15868,6 @@
               <a:rPr lang="en-US" dirty="0" smtClean="0"/>
               <a:t>Web scrapping</a:t>
             </a:r>
-            <a:endParaRPr lang="en-US" dirty="0" smtClean="0"/>
           </a:p>
           <a:p>
             <a:pPr marL="514350" indent="-514350">
@@ -14716,7 +15943,7 @@
           <a:p>
             <a:pPr marL="514350" indent="-514350">
               <a:buFont typeface="+mj-lt"/>
-              <a:buAutoNum type="arabicPeriod" startAt="8"/>
+              <a:buAutoNum type="arabicPeriod" startAt="7"/>
             </a:pPr>
             <a:r>
               <a:rPr lang="en-US" sz="2600" dirty="0" smtClean="0"/>
@@ -15835,15 +17062,7 @@
           <a:p>
             <a:r>
               <a:rPr lang="en-US" dirty="0" smtClean="0"/>
-              <a:t>2. </a:t>
-            </a:r>
-            <a:r>
-              <a:rPr lang="en-US" dirty="0" smtClean="0"/>
-              <a:t>Interpreted language</a:t>
-            </a:r>
-            <a:r>
-              <a:rPr lang="en-US" dirty="0" smtClean="0"/>
-              <a:t>	</a:t>
+              <a:t>2. Interpreted language	</a:t>
             </a:r>
             <a:endParaRPr lang="en-CA" dirty="0"/>
           </a:p>
@@ -15905,7 +17124,6 @@
               <a:rPr lang="en-US" dirty="0" smtClean="0"/>
               <a:t>Modes of use:</a:t>
             </a:r>
-            <a:endParaRPr lang="en-US" dirty="0" smtClean="0"/>
           </a:p>
           <a:p>
             <a:pPr lvl="1"/>
